--- a/output/토너_리뷰분석_리포트.pptx
+++ b/output/토너_리뷰분석_리포트.pptx
@@ -3372,7 +3372,7 @@
               </a:defRPr>
             </a:pPr>
             <a:r>
-              <a:t>   1. 순함 (381)</a:t>
+              <a:t>   1. 순함/저자극 (1,062)</a:t>
             </a:r>
           </a:p>
           <a:p>
@@ -3387,7 +3387,7 @@
               </a:defRPr>
             </a:pPr>
             <a:r>
-              <a:t>   2. 촉촉함 (331)</a:t>
+              <a:t>   2. 촉촉함/보습 (508)</a:t>
             </a:r>
           </a:p>
           <a:p>
@@ -3402,7 +3402,7 @@
               </a:defRPr>
             </a:pPr>
             <a:r>
-              <a:t>   3. 순하다 (205)</a:t>
+              <a:t>   3. 재구매 의사 (273)</a:t>
             </a:r>
           </a:p>
           <a:p>
@@ -3444,7 +3444,7 @@
               </a:defRPr>
             </a:pPr>
             <a:r>
-              <a:t>   1. 건조함 (14)</a:t>
+              <a:t>   1. 건조/보습부족 (47)</a:t>
             </a:r>
           </a:p>
           <a:p>
@@ -3459,7 +3459,7 @@
               </a:defRPr>
             </a:pPr>
             <a:r>
-              <a:t>   2. 수분감 부족 (9)</a:t>
+              <a:t>   2. 효과 부족/미흡 (15)</a:t>
             </a:r>
           </a:p>
           <a:p>
@@ -3474,7 +3474,7 @@
               </a:defRPr>
             </a:pPr>
             <a:r>
-              <a:t>   3. 보습 부족 (6)</a:t>
+              <a:t>   3. 자극/따가움 (14)</a:t>
             </a:r>
           </a:p>
         </p:txBody>
@@ -3623,7 +3623,7 @@
               </a:defRPr>
             </a:pPr>
             <a:r>
-              <a:t>   1. 촉촉함 (519)</a:t>
+              <a:t>   1. 촉촉함/보습 (763)</a:t>
             </a:r>
           </a:p>
           <a:p>
@@ -3638,7 +3638,7 @@
               </a:defRPr>
             </a:pPr>
             <a:r>
-              <a:t>   2. 순함 (215)</a:t>
+              <a:t>   2. 순함/저자극 (572)</a:t>
             </a:r>
           </a:p>
           <a:p>
@@ -3653,7 +3653,7 @@
               </a:defRPr>
             </a:pPr>
             <a:r>
-              <a:t>   3. 재구매 의사 (163)</a:t>
+              <a:t>   3. 만족 (244)</a:t>
             </a:r>
           </a:p>
           <a:p>
@@ -3695,7 +3695,7 @@
               </a:defRPr>
             </a:pPr>
             <a:r>
-              <a:t>   1. 눈에 들어가면 따가움 (13)</a:t>
+              <a:t>   1. 건조/보습부족 (31)</a:t>
             </a:r>
           </a:p>
           <a:p>
@@ -3710,7 +3710,7 @@
               </a:defRPr>
             </a:pPr>
             <a:r>
-              <a:t>   2. 자극 (7)</a:t>
+              <a:t>   2. 눈 자극 (15)</a:t>
             </a:r>
           </a:p>
           <a:p>
@@ -3725,7 +3725,7 @@
               </a:defRPr>
             </a:pPr>
             <a:r>
-              <a:t>   3. 수분감 부족 (5)</a:t>
+              <a:t>   3. 트러블/뾰루지 (13)</a:t>
             </a:r>
           </a:p>
         </p:txBody>
@@ -3874,7 +3874,7 @@
               </a:defRPr>
             </a:pPr>
             <a:r>
-              <a:t>   1. 촉촉함 (277)</a:t>
+              <a:t>   1. 순함/저자극 (681)</a:t>
             </a:r>
           </a:p>
           <a:p>
@@ -3889,7 +3889,7 @@
               </a:defRPr>
             </a:pPr>
             <a:r>
-              <a:t>   2. 순함 (226)</a:t>
+              <a:t>   2. 촉촉함/보습 (407)</a:t>
             </a:r>
           </a:p>
           <a:p>
@@ -3904,7 +3904,7 @@
               </a:defRPr>
             </a:pPr>
             <a:r>
-              <a:t>   3. 진정 효과 (154)</a:t>
+              <a:t>   3. 진정 효과 (254)</a:t>
             </a:r>
           </a:p>
           <a:p>
@@ -3946,7 +3946,7 @@
               </a:defRPr>
             </a:pPr>
             <a:r>
-              <a:t>   1. 가격이 비쌈 (17)</a:t>
+              <a:t>   1. 건조/보습부족 (61)</a:t>
             </a:r>
           </a:p>
           <a:p>
@@ -3961,7 +3961,7 @@
               </a:defRPr>
             </a:pPr>
             <a:r>
-              <a:t>   2. 건조함 (16)</a:t>
+              <a:t>   2. 가격 불만 (35)</a:t>
             </a:r>
           </a:p>
           <a:p>
@@ -3976,7 +3976,7 @@
               </a:defRPr>
             </a:pPr>
             <a:r>
-              <a:t>   3. 비싼 가격 (14)</a:t>
+              <a:t>   3. 자극/따가움 (28)</a:t>
             </a:r>
           </a:p>
         </p:txBody>
@@ -4125,7 +4125,7 @@
               </a:defRPr>
             </a:pPr>
             <a:r>
-              <a:t>   1. 촉촉함 (450)</a:t>
+              <a:t>   1. 촉촉함/보습 (695)</a:t>
             </a:r>
           </a:p>
           <a:p>
@@ -4140,7 +4140,7 @@
               </a:defRPr>
             </a:pPr>
             <a:r>
-              <a:t>   2. 대용량 (210)</a:t>
+              <a:t>   2. 가성비/저렴 (480)</a:t>
             </a:r>
           </a:p>
           <a:p>
@@ -4155,7 +4155,7 @@
               </a:defRPr>
             </a:pPr>
             <a:r>
-              <a:t>   3. 가성비 (189)</a:t>
+              <a:t>   3. 대용량 (382)</a:t>
             </a:r>
           </a:p>
           <a:p>
@@ -4197,7 +4197,7 @@
               </a:defRPr>
             </a:pPr>
             <a:r>
-              <a:t>   1. 냄새 (8)</a:t>
+              <a:t>   1. 건조/보습부족 (26)</a:t>
             </a:r>
           </a:p>
           <a:p>
@@ -4212,7 +4212,7 @@
               </a:defRPr>
             </a:pPr>
             <a:r>
-              <a:t>   2. 자극 (6)</a:t>
+              <a:t>   2. 냄새/향 불만 (13)</a:t>
             </a:r>
           </a:p>
           <a:p>
@@ -4227,7 +4227,7 @@
               </a:defRPr>
             </a:pPr>
             <a:r>
-              <a:t>   3. 건조함 (6)</a:t>
+              <a:t>   3. 끈적임/흡수불량 (11)</a:t>
             </a:r>
           </a:p>
         </p:txBody>
@@ -4376,7 +4376,7 @@
               </a:defRPr>
             </a:pPr>
             <a:r>
-              <a:t>   1. 촉촉함 (238)</a:t>
+              <a:t>   1. 순함/저자극 (406)</a:t>
             </a:r>
           </a:p>
           <a:p>
@@ -4391,7 +4391,7 @@
               </a:defRPr>
             </a:pPr>
             <a:r>
-              <a:t>   2. 진정 효과 (173)</a:t>
+              <a:t>   2. 촉촉함/보습 (350)</a:t>
             </a:r>
           </a:p>
           <a:p>
@@ -4406,7 +4406,7 @@
               </a:defRPr>
             </a:pPr>
             <a:r>
-              <a:t>   3. 순함 (152)</a:t>
+              <a:t>   3. 진정 효과 (272)</a:t>
             </a:r>
           </a:p>
           <a:p>
@@ -4448,7 +4448,7 @@
               </a:defRPr>
             </a:pPr>
             <a:r>
-              <a:t>   1. 냄새 (13)</a:t>
+              <a:t>   1. 건조/보습부족 (33)</a:t>
             </a:r>
           </a:p>
           <a:p>
@@ -4463,7 +4463,7 @@
               </a:defRPr>
             </a:pPr>
             <a:r>
-              <a:t>   2. 건조함 (8)</a:t>
+              <a:t>   2. 효과 부족/미흡 (19)</a:t>
             </a:r>
           </a:p>
           <a:p>
@@ -4478,7 +4478,7 @@
               </a:defRPr>
             </a:pPr>
             <a:r>
-              <a:t>   3. 효과 없음 (8)</a:t>
+              <a:t>   3. 냄새/향 불만 (18)</a:t>
             </a:r>
           </a:p>
         </p:txBody>
@@ -7565,7 +7565,7 @@
               </a:defRPr>
             </a:pPr>
             <a:r>
-              <a:t>① 토리든: 점유율 1위(30%) 유지. 최근 긍정률 하락(92→89%) 모니터링 필요. '건조함' 불만 개선 시급</a:t>
+              <a:t>① 토리든: 점유율 1위(30%). '건조/보습부족'(163건) 불만 최다 → 보습력 강화 필요</a:t>
             </a:r>
           </a:p>
         </p:txBody>
@@ -7645,7 +7645,7 @@
               </a:defRPr>
             </a:pPr>
             <a:r>
-              <a:t>② 브링그린: 진정 효과 강점 유지. '자극' 불만 해소로 민감성 시장 확대 가능</a:t>
+              <a:t>② 브링그린: 진정 효과 강점. '자극/따가움'(93건) 불만 해소로 민감성 시장 확대</a:t>
             </a:r>
           </a:p>
         </p:txBody>
@@ -7725,7 +7725,7 @@
               </a:defRPr>
             </a:pPr>
             <a:r>
-              <a:t>③ 독도토너: 보습/진정 균형형 포지셔닝이 강점. 무신사 채널 확대 기회</a:t>
+              <a:t>③ 독도토너: '순함/저자극' 1위(1,062건). 저자극 포지셔닝 강화 기회</a:t>
             </a:r>
           </a:p>
         </p:txBody>
@@ -7805,7 +7805,7 @@
               </a:defRPr>
             </a:pPr>
             <a:r>
-              <a:t>④ 아누아: '가격이 비쌈' 불만 1위. 가격 정책 또는 가치 커뮤니케이션 재검토</a:t>
+              <a:t>④ 아누아: '가격 불만'(35건) 1위. 프리미엄 가치 커뮤니케이션 재검토</a:t>
             </a:r>
           </a:p>
         </p:txBody>
@@ -7885,7 +7885,7 @@
               </a:defRPr>
             </a:pPr>
             <a:r>
-              <a:t>⑤ 토니모리: 가성비 리더(39.3%). 쫀쫀한 제형 차별화 유지하며 프리미엄 라인 고려</a:t>
+              <a:t>⑤ 토니모리: '가성비/저렴'(480건) 압도적 1위. 가성비 리더십 유지 전략</a:t>
             </a:r>
           </a:p>
         </p:txBody>
@@ -8141,7 +8141,7 @@
               </a:defRPr>
             </a:pPr>
             <a:r>
-              <a:t>② 대용량 마케팅: '대용량', '가성비'가 주요 구매 동인. 용량 다변화 전략</a:t>
+              <a:t>② 대용량 마케팅: '대용량'(1,751건), '가성비'(1,924건) 주요 구매 동인</a:t>
             </a:r>
           </a:p>
         </p:txBody>
@@ -8301,7 +8301,7 @@
               </a:defRPr>
             </a:pPr>
             <a:r>
-              <a:t>④ 공통 Pain Point: '건조함'(134건), '자극'(89건) - 민감성 소구 강화 필요</a:t>
+              <a:t>④ 공통 Pain Point: '건조/보습부족'(463건) 압도적 1위 - 보습 소구 강화 필수</a:t>
             </a:r>
           </a:p>
         </p:txBody>
@@ -8381,7 +8381,7 @@
               </a:defRPr>
             </a:pPr>
             <a:r>
-              <a:t>⑤ 텍스처 차별화: 대부분 '물같음' 포지셔닝. 쫀쫀/크리미 라인으로 차별화 기회</a:t>
+              <a:t>⑤ 텍스처 차별화: '산뜻함/비끈적'(1,293건) 선호. 가벼운 제형 마케팅 강화</a:t>
             </a:r>
           </a:p>
         </p:txBody>
@@ -8686,7 +8686,7 @@
                         </a:defRPr>
                       </a:pPr>
                       <a:r>
-                        <a:t>건조함</a:t>
+                        <a:t>건조/보습부족</a:t>
                       </a:r>
                     </a:p>
                   </a:txBody>
@@ -8705,7 +8705,7 @@
                         </a:defRPr>
                       </a:pPr>
                       <a:r>
-                        <a:t>134</a:t>
+                        <a:t>463</a:t>
                       </a:r>
                     </a:p>
                   </a:txBody>
@@ -8724,7 +8724,7 @@
                         </a:defRPr>
                       </a:pPr>
                       <a:r>
-                        <a:t>모든 브랜드</a:t>
+                        <a:t>전체 (토리든 163, 브링그린 102)</a:t>
                       </a:r>
                     </a:p>
                   </a:txBody>
@@ -8745,7 +8745,7 @@
                         </a:defRPr>
                       </a:pPr>
                       <a:r>
-                        <a:t>자극</a:t>
+                        <a:t>자극/따가움</a:t>
                       </a:r>
                     </a:p>
                   </a:txBody>
@@ -8764,7 +8764,7 @@
                         </a:defRPr>
                       </a:pPr>
                       <a:r>
-                        <a:t>89</a:t>
+                        <a:t>181</a:t>
                       </a:r>
                     </a:p>
                   </a:txBody>
@@ -8804,7 +8804,7 @@
                         </a:defRPr>
                       </a:pPr>
                       <a:r>
-                        <a:t>눈에 들어가면 따가움</a:t>
+                        <a:t>트러블/뾰루지</a:t>
                       </a:r>
                     </a:p>
                   </a:txBody>
@@ -8823,7 +8823,7 @@
                         </a:defRPr>
                       </a:pPr>
                       <a:r>
-                        <a:t>62</a:t>
+                        <a:t>139</a:t>
                       </a:r>
                     </a:p>
                   </a:txBody>
@@ -8842,7 +8842,7 @@
                         </a:defRPr>
                       </a:pPr>
                       <a:r>
-                        <a:t>브링그린, 에스네이처</a:t>
+                        <a:t>브링그린, 토리든</a:t>
                       </a:r>
                     </a:p>
                   </a:txBody>
@@ -8863,7 +8863,7 @@
                         </a:defRPr>
                       </a:pPr>
                       <a:r>
-                        <a:t>보습 부족</a:t>
+                        <a:t>효과 부족/미흡</a:t>
                       </a:r>
                     </a:p>
                   </a:txBody>
@@ -8882,7 +8882,7 @@
                         </a:defRPr>
                       </a:pPr>
                       <a:r>
-                        <a:t>53</a:t>
+                        <a:t>115</a:t>
                       </a:r>
                     </a:p>
                   </a:txBody>
@@ -8901,7 +8901,7 @@
                         </a:defRPr>
                       </a:pPr>
                       <a:r>
-                        <a:t>토리든, 독도토너</a:t>
+                        <a:t>토리든, 아비브</a:t>
                       </a:r>
                     </a:p>
                   </a:txBody>
@@ -8922,7 +8922,7 @@
                         </a:defRPr>
                       </a:pPr>
                       <a:r>
-                        <a:t>가격이 비쌈</a:t>
+                        <a:t>가격 불만</a:t>
                       </a:r>
                     </a:p>
                   </a:txBody>
@@ -8941,7 +8941,7 @@
                         </a:defRPr>
                       </a:pPr>
                       <a:r>
-                        <a:t>50</a:t>
+                        <a:t>101</a:t>
                       </a:r>
                     </a:p>
                   </a:txBody>
@@ -8981,7 +8981,7 @@
                         </a:defRPr>
                       </a:pPr>
                       <a:r>
-                        <a:t>수분감 부족</a:t>
+                        <a:t>눈 자극</a:t>
                       </a:r>
                     </a:p>
                   </a:txBody>
@@ -9000,7 +9000,7 @@
                         </a:defRPr>
                       </a:pPr>
                       <a:r>
-                        <a:t>48</a:t>
+                        <a:t>88</a:t>
                       </a:r>
                     </a:p>
                   </a:txBody>
@@ -9019,7 +9019,7 @@
                         </a:defRPr>
                       </a:pPr>
                       <a:r>
-                        <a:t>독도토너, 에스네이처</a:t>
+                        <a:t>에스네이처, 브링그린</a:t>
                       </a:r>
                     </a:p>
                   </a:txBody>
@@ -9040,7 +9040,7 @@
                         </a:defRPr>
                       </a:pPr>
                       <a:r>
-                        <a:t>진정 효과 부족</a:t>
+                        <a:t>진정효과 부족</a:t>
                       </a:r>
                     </a:p>
                   </a:txBody>
@@ -9059,7 +9059,7 @@
                         </a:defRPr>
                       </a:pPr>
                       <a:r>
-                        <a:t>44</a:t>
+                        <a:t>67</a:t>
                       </a:r>
                     </a:p>
                   </a:txBody>
@@ -9099,7 +9099,7 @@
                         </a:defRPr>
                       </a:pPr>
                       <a:r>
-                        <a:t>효과 부족</a:t>
+                        <a:t>냄새/향 불만</a:t>
                       </a:r>
                     </a:p>
                   </a:txBody>
@@ -9118,7 +9118,7 @@
                         </a:defRPr>
                       </a:pPr>
                       <a:r>
-                        <a:t>43</a:t>
+                        <a:t>64</a:t>
                       </a:r>
                     </a:p>
                   </a:txBody>
@@ -9137,7 +9137,7 @@
                         </a:defRPr>
                       </a:pPr>
                       <a:r>
-                        <a:t>독도토너, 아비브</a:t>
+                        <a:t>토니모리, 아비브</a:t>
                       </a:r>
                     </a:p>
                   </a:txBody>
@@ -9158,7 +9158,7 @@
                         </a:defRPr>
                       </a:pPr>
                       <a:r>
-                        <a:t>냄새</a:t>
+                        <a:t>끈적임/흡수불량</a:t>
                       </a:r>
                     </a:p>
                   </a:txBody>
@@ -9177,7 +9177,7 @@
                         </a:defRPr>
                       </a:pPr>
                       <a:r>
-                        <a:t>38</a:t>
+                        <a:t>49</a:t>
                       </a:r>
                     </a:p>
                   </a:txBody>
@@ -9196,7 +9196,7 @@
                         </a:defRPr>
                       </a:pPr>
                       <a:r>
-                        <a:t>토니모리, 아비브</a:t>
+                        <a:t>토니모리</a:t>
                       </a:r>
                     </a:p>
                   </a:txBody>
@@ -9470,7 +9470,7 @@
                         </a:defRPr>
                       </a:pPr>
                       <a:r>
-                        <a:t>촉촉함</a:t>
+                        <a:t>순함/저자극</a:t>
                       </a:r>
                     </a:p>
                   </a:txBody>
@@ -9489,7 +9489,7 @@
                         </a:defRPr>
                       </a:pPr>
                       <a:r>
-                        <a:t>3,312</a:t>
+                        <a:t>5,495</a:t>
                       </a:r>
                     </a:p>
                   </a:txBody>
@@ -9508,7 +9508,7 @@
                         </a:defRPr>
                       </a:pPr>
                       <a:r>
-                        <a:t>토리든, 에스네이처, 토니모리</a:t>
+                        <a:t>토리든, 독도토너, 브링그린</a:t>
                       </a:r>
                     </a:p>
                   </a:txBody>
@@ -9529,7 +9529,7 @@
                         </a:defRPr>
                       </a:pPr>
                       <a:r>
-                        <a:t>순함</a:t>
+                        <a:t>촉촉함/보습</a:t>
                       </a:r>
                     </a:p>
                   </a:txBody>
@@ -9548,7 +9548,7 @@
                         </a:defRPr>
                       </a:pPr>
                       <a:r>
-                        <a:t>1,958</a:t>
+                        <a:t>5,066</a:t>
                       </a:r>
                     </a:p>
                   </a:txBody>
@@ -9567,7 +9567,7 @@
                         </a:defRPr>
                       </a:pPr>
                       <a:r>
-                        <a:t>토리든, 독도토너, 아누아</a:t>
+                        <a:t>토리든, 에스네이처, 토니모리</a:t>
                       </a:r>
                     </a:p>
                   </a:txBody>
@@ -9607,7 +9607,7 @@
                         </a:defRPr>
                       </a:pPr>
                       <a:r>
-                        <a:t>1,405</a:t>
+                        <a:t>2,138</a:t>
                       </a:r>
                     </a:p>
                   </a:txBody>
@@ -9647,7 +9647,7 @@
                         </a:defRPr>
                       </a:pPr>
                       <a:r>
-                        <a:t>진정 효과</a:t>
+                        <a:t>만족</a:t>
                       </a:r>
                     </a:p>
                   </a:txBody>
@@ -9666,7 +9666,7 @@
                         </a:defRPr>
                       </a:pPr>
                       <a:r>
-                        <a:t>956</a:t>
+                        <a:t>2,024</a:t>
                       </a:r>
                     </a:p>
                   </a:txBody>
@@ -9685,7 +9685,7 @@
                         </a:defRPr>
                       </a:pPr>
                       <a:r>
-                        <a:t>브링그린, 아비브</a:t>
+                        <a:t>토리든, 에스네이처</a:t>
                       </a:r>
                     </a:p>
                   </a:txBody>
@@ -9706,7 +9706,7 @@
                         </a:defRPr>
                       </a:pPr>
                       <a:r>
-                        <a:t>자극 없음</a:t>
+                        <a:t>가성비/저렴</a:t>
                       </a:r>
                     </a:p>
                   </a:txBody>
@@ -9725,7 +9725,7 @@
                         </a:defRPr>
                       </a:pPr>
                       <a:r>
-                        <a:t>943</a:t>
+                        <a:t>1,924</a:t>
                       </a:r>
                     </a:p>
                   </a:txBody>
@@ -9744,7 +9744,7 @@
                         </a:defRPr>
                       </a:pPr>
                       <a:r>
-                        <a:t>토리든, 독도토너</a:t>
+                        <a:t>토니모리, 브링그린</a:t>
                       </a:r>
                     </a:p>
                   </a:txBody>
@@ -9784,7 +9784,7 @@
                         </a:defRPr>
                       </a:pPr>
                       <a:r>
-                        <a:t>896</a:t>
+                        <a:t>1,751</a:t>
                       </a:r>
                     </a:p>
                   </a:txBody>
@@ -9803,7 +9803,7 @@
                         </a:defRPr>
                       </a:pPr>
                       <a:r>
-                        <a:t>토리든, 브링그린, 토니모리</a:t>
+                        <a:t>토니모리, 토리든</a:t>
                       </a:r>
                     </a:p>
                   </a:txBody>
@@ -9824,7 +9824,7 @@
                         </a:defRPr>
                       </a:pPr>
                       <a:r>
-                        <a:t>순하다</a:t>
+                        <a:t>진정 효과</a:t>
                       </a:r>
                     </a:p>
                   </a:txBody>
@@ -9843,7 +9843,7 @@
                         </a:defRPr>
                       </a:pPr>
                       <a:r>
-                        <a:t>864</a:t>
+                        <a:t>1,492</a:t>
                       </a:r>
                     </a:p>
                   </a:txBody>
@@ -9862,7 +9862,7 @@
                         </a:defRPr>
                       </a:pPr>
                       <a:r>
-                        <a:t>독도토너, 아누아</a:t>
+                        <a:t>브링그린, 아비브</a:t>
                       </a:r>
                     </a:p>
                   </a:txBody>
@@ -9883,7 +9883,7 @@
                         </a:defRPr>
                       </a:pPr>
                       <a:r>
-                        <a:t>가성비</a:t>
+                        <a:t>산뜻함/비끈적</a:t>
                       </a:r>
                     </a:p>
                   </a:txBody>
@@ -9902,7 +9902,7 @@
                         </a:defRPr>
                       </a:pPr>
                       <a:r>
-                        <a:t>613</a:t>
+                        <a:t>1,293</a:t>
                       </a:r>
                     </a:p>
                   </a:txBody>
@@ -9921,7 +9921,7 @@
                         </a:defRPr>
                       </a:pPr>
                       <a:r>
-                        <a:t>토니모리, 브링그린</a:t>
+                        <a:t>토리든, 에스네이처</a:t>
                       </a:r>
                     </a:p>
                   </a:txBody>
@@ -9942,7 +9942,7 @@
                         </a:defRPr>
                       </a:pPr>
                       <a:r>
-                        <a:t>추천</a:t>
+                        <a:t>무난함</a:t>
                       </a:r>
                     </a:p>
                   </a:txBody>
@@ -9961,7 +9961,7 @@
                         </a:defRPr>
                       </a:pPr>
                       <a:r>
-                        <a:t>577</a:t>
+                        <a:t>1,181</a:t>
                       </a:r>
                     </a:p>
                   </a:txBody>
@@ -9980,7 +9980,7 @@
                         </a:defRPr>
                       </a:pPr>
                       <a:r>
-                        <a:t>전체</a:t>
+                        <a:t>독도토너, 에스네이처</a:t>
                       </a:r>
                     </a:p>
                   </a:txBody>
@@ -10001,7 +10001,7 @@
                         </a:defRPr>
                       </a:pPr>
                       <a:r>
-                        <a:t>수분감</a:t>
+                        <a:t>추천</a:t>
                       </a:r>
                     </a:p>
                   </a:txBody>
@@ -10020,7 +10020,7 @@
                         </a:defRPr>
                       </a:pPr>
                       <a:r>
-                        <a:t>539</a:t>
+                        <a:t>803</a:t>
                       </a:r>
                     </a:p>
                   </a:txBody>
@@ -10039,7 +10039,7 @@
                         </a:defRPr>
                       </a:pPr>
                       <a:r>
-                        <a:t>에스네이처</a:t>
+                        <a:t>전체</a:t>
                       </a:r>
                     </a:p>
                   </a:txBody>
@@ -10266,7 +10266,7 @@
               </a:defRPr>
             </a:pPr>
             <a:r>
-              <a:t>▶ 가장 많은 Pain Point: 건조함 (134건)</a:t>
+              <a:t>▶ 가장 많은 Pain Point: 건조/보습부족 (463건)</a:t>
             </a:r>
           </a:p>
           <a:p>
@@ -10281,7 +10281,7 @@
               </a:defRPr>
             </a:pPr>
             <a:r>
-              <a:t>▶ 가장 많은 Positive Point: 촉촉함 (3,312건)</a:t>
+              <a:t>▶ 가장 많은 Positive Point: 순함/저자극 (5,495건)</a:t>
             </a:r>
           </a:p>
         </p:txBody>
@@ -11703,7 +11703,7 @@
               </a:defRPr>
             </a:pPr>
             <a:r>
-              <a:t>   1. 촉촉함 (1,223)</a:t>
+              <a:t>   1. 촉촉함/보습 (1,880)</a:t>
             </a:r>
           </a:p>
           <a:p>
@@ -11718,7 +11718,7 @@
               </a:defRPr>
             </a:pPr>
             <a:r>
-              <a:t>   2. 순함 (669)</a:t>
+              <a:t>   2. 순함/저자극 (1,808)</a:t>
             </a:r>
           </a:p>
           <a:p>
@@ -11733,7 +11733,7 @@
               </a:defRPr>
             </a:pPr>
             <a:r>
-              <a:t>   3. 재구매 의사 (426)</a:t>
+              <a:t>   3. 만족 (633)</a:t>
             </a:r>
           </a:p>
           <a:p>
@@ -11775,7 +11775,7 @@
               </a:defRPr>
             </a:pPr>
             <a:r>
-              <a:t>   1. 건조함 (48)</a:t>
+              <a:t>   1. 건조/보습부족 (163)</a:t>
             </a:r>
           </a:p>
           <a:p>
@@ -11790,7 +11790,7 @@
               </a:defRPr>
             </a:pPr>
             <a:r>
-              <a:t>   2. 속건조 (17)</a:t>
+              <a:t>   2. 트러블/뾰루지 (33)</a:t>
             </a:r>
           </a:p>
           <a:p>
@@ -11805,7 +11805,7 @@
               </a:defRPr>
             </a:pPr>
             <a:r>
-              <a:t>   3. 재구매 의사 없음 (16)</a:t>
+              <a:t>   3. 효과 부족/미흡 (29)</a:t>
             </a:r>
           </a:p>
         </p:txBody>
@@ -11954,7 +11954,7 @@
               </a:defRPr>
             </a:pPr>
             <a:r>
-              <a:t>   1. 진정 효과 (441)</a:t>
+              <a:t>   1. 순함/저자극 (686)</a:t>
             </a:r>
           </a:p>
           <a:p>
@@ -11969,7 +11969,7 @@
               </a:defRPr>
             </a:pPr>
             <a:r>
-              <a:t>   2. 재구매 의사 (300)</a:t>
+              <a:t>   2. 진정 효과 (644)</a:t>
             </a:r>
           </a:p>
           <a:p>
@@ -11984,7 +11984,7 @@
               </a:defRPr>
             </a:pPr>
             <a:r>
-              <a:t>   3. 촉촉함 (274)</a:t>
+              <a:t>   3. 재구매 의사 (474)</a:t>
             </a:r>
           </a:p>
           <a:p>
@@ -12026,7 +12026,7 @@
               </a:defRPr>
             </a:pPr>
             <a:r>
-              <a:t>   1. 자극 (48)</a:t>
+              <a:t>   1. 건조/보습부족 (102)</a:t>
             </a:r>
           </a:p>
           <a:p>
@@ -12041,7 +12041,7 @@
               </a:defRPr>
             </a:pPr>
             <a:r>
-              <a:t>   2. 건조함 (37)</a:t>
+              <a:t>   2. 자극/따가움 (93)</a:t>
             </a:r>
           </a:p>
           <a:p>
@@ -12056,7 +12056,7 @@
               </a:defRPr>
             </a:pPr>
             <a:r>
-              <a:t>   3. 눈에 들어가면 따가움 (27)</a:t>
+              <a:t>   3. 트러블/뾰루지 (43)</a:t>
             </a:r>
           </a:p>
         </p:txBody>

--- a/output/토너_리뷰분석_리포트.pptx
+++ b/output/토너_리뷰분석_리포트.pptx
@@ -33,6 +33,14 @@
     <p:sldId id="281" r:id="rId32"/>
     <p:sldId id="282" r:id="rId33"/>
     <p:sldId id="283" r:id="rId34"/>
+    <p:sldId id="284" r:id="rId35"/>
+    <p:sldId id="285" r:id="rId36"/>
+    <p:sldId id="286" r:id="rId37"/>
+    <p:sldId id="287" r:id="rId38"/>
+    <p:sldId id="288" r:id="rId39"/>
+    <p:sldId id="289" r:id="rId40"/>
+    <p:sldId id="290" r:id="rId41"/>
+    <p:sldId id="291" r:id="rId42"/>
   </p:sldIdLst>
   <p:sldSz cx="9144000" cy="6858000" type="screen4x3"/>
   <p:notesSz cx="6858000" cy="9144000"/>
@@ -3223,7 +3231,7 @@
               </a:defRPr>
             </a:pPr>
             <a:r>
-              <a:t>7개 브랜드 33,908건 GPT-4o 기반 분석 | 2026.01.29</a:t>
+              <a:t>7개 브랜드 33,908건 GPT-4o 기반 분석 | 2026.01.31</a:t>
             </a:r>
           </a:p>
         </p:txBody>
@@ -7137,7 +7145,7 @@
               </a:defRPr>
             </a:pPr>
             <a:r>
-              <a:t>▶ 사용법 TOP 4</a:t>
+              <a:t>▶ 사용법 TOP 6</a:t>
             </a:r>
           </a:p>
           <a:p>
@@ -7164,7 +7172,22 @@
               </a:defRPr>
             </a:pPr>
             <a:r>
-              <a:t>   1. 닦토 (닦아내는 토너): 31.7% (10,759건)</a:t>
+              <a:t>   1. 닦토 (닦아내는 토너): 31.7% (10,761건)</a:t>
+            </a:r>
+          </a:p>
+          <a:p>
+            <a:pPr>
+              <a:spcAft>
+                <a:spcPts val="800"/>
+              </a:spcAft>
+              <a:defRPr sz="1600" b="1">
+                <a:solidFill>
+                  <a:srgbClr val="4A90D9"/>
+                </a:solidFill>
+              </a:defRPr>
+            </a:pPr>
+            <a:r>
+              <a:t>   2. 레이어링: 14.9% (5,062건)</a:t>
             </a:r>
           </a:p>
           <a:p>
@@ -7179,7 +7202,7 @@
               </a:defRPr>
             </a:pPr>
             <a:r>
-              <a:t>   2. 레이어링: 14.9% (5,060건)</a:t>
+              <a:t>   3. 스킨팩/토너팩: 8.8% (3,000건)</a:t>
             </a:r>
           </a:p>
           <a:p>
@@ -7194,7 +7217,7 @@
               </a:defRPr>
             </a:pPr>
             <a:r>
-              <a:t>   3. 스킨팩: 8.7% (2,936건)</a:t>
+              <a:t>   4. 바디 사용: 0.6% (196건)</a:t>
             </a:r>
           </a:p>
           <a:p>
@@ -7209,7 +7232,7 @@
               </a:defRPr>
             </a:pPr>
             <a:r>
-              <a:t>   4. 바디 사용: 0.6% (196건)</a:t>
+              <a:t>   5. 미스트/스프레이: 0.5% (153건)</a:t>
             </a:r>
           </a:p>
           <a:p>
@@ -7223,6 +7246,36 @@
                 </a:solidFill>
               </a:defRPr>
             </a:pPr>
+            <a:r>
+              <a:t>   6. 흡토(패팅): 0.4% (148건)</a:t>
+            </a:r>
+          </a:p>
+          <a:p>
+            <a:pPr>
+              <a:spcAft>
+                <a:spcPts val="800"/>
+              </a:spcAft>
+              <a:defRPr sz="1600">
+                <a:solidFill>
+                  <a:srgbClr val="1A365D"/>
+                </a:solidFill>
+              </a:defRPr>
+            </a:pPr>
+          </a:p>
+          <a:p>
+            <a:pPr>
+              <a:spcAft>
+                <a:spcPts val="800"/>
+              </a:spcAft>
+              <a:defRPr sz="1600">
+                <a:solidFill>
+                  <a:srgbClr val="1A365D"/>
+                </a:solidFill>
+              </a:defRPr>
+            </a:pPr>
+            <a:r>
+              <a:t>▶ 닦토 + 레이어링이 전체의 46.6%</a:t>
+            </a:r>
           </a:p>
           <a:p>
             <a:pPr>
@@ -7236,64 +7289,7 @@
               </a:defRPr>
             </a:pPr>
             <a:r>
-              <a:t>▶ 닦토 + 레이어링이 전체의 46.6%</a:t>
-            </a:r>
-          </a:p>
-          <a:p>
-            <a:pPr>
-              <a:spcAft>
-                <a:spcPts val="800"/>
-              </a:spcAft>
-              <a:defRPr sz="1600">
-                <a:solidFill>
-                  <a:srgbClr val="1A365D"/>
-                </a:solidFill>
-              </a:defRPr>
-            </a:pPr>
-            <a:r>
               <a:t>   → 대용량, 순함이 중요한 구매 요인</a:t>
-            </a:r>
-          </a:p>
-          <a:p>
-            <a:pPr>
-              <a:spcAft>
-                <a:spcPts val="800"/>
-              </a:spcAft>
-              <a:defRPr sz="1600">
-                <a:solidFill>
-                  <a:srgbClr val="1A365D"/>
-                </a:solidFill>
-              </a:defRPr>
-            </a:pPr>
-          </a:p>
-          <a:p>
-            <a:pPr>
-              <a:spcAft>
-                <a:spcPts val="800"/>
-              </a:spcAft>
-              <a:defRPr sz="1600" b="1">
-                <a:solidFill>
-                  <a:srgbClr val="4A90D9"/>
-                </a:solidFill>
-              </a:defRPr>
-            </a:pPr>
-            <a:r>
-              <a:t>▶ 스킨팩 사용 언급도 8.7%로 상당</a:t>
-            </a:r>
-          </a:p>
-          <a:p>
-            <a:pPr>
-              <a:spcAft>
-                <a:spcPts val="800"/>
-              </a:spcAft>
-              <a:defRPr sz="1600">
-                <a:solidFill>
-                  <a:srgbClr val="1A365D"/>
-                </a:solidFill>
-              </a:defRPr>
-            </a:pPr>
-            <a:r>
-              <a:t>   → 진정/보습 효과 마케팅 포인트</a:t>
             </a:r>
           </a:p>
         </p:txBody>
@@ -7307,6 +7303,1202 @@
 </file>
 
 <file path=ppt/slides/slide23.xml><?xml version="1.0" encoding="utf-8"?>
+<p:sld xmlns:a="http://schemas.openxmlformats.org/drawingml/2006/main" xmlns:p="http://schemas.openxmlformats.org/presentationml/2006/main" xmlns:r="http://schemas.openxmlformats.org/officeDocument/2006/relationships">
+  <p:cSld>
+    <p:spTree>
+      <p:nvGrpSpPr>
+        <p:cNvPr id="1" name=""/>
+        <p:cNvGrpSpPr/>
+        <p:nvPr/>
+      </p:nvGrpSpPr>
+      <p:grpSpPr/>
+      <p:sp>
+        <p:nvSpPr>
+          <p:cNvPr id="2" name="Rectangle 1"/>
+          <p:cNvSpPr/>
+          <p:nvPr/>
+        </p:nvSpPr>
+        <p:spPr>
+          <a:xfrm>
+            <a:off x="0" y="0"/>
+            <a:ext cx="9144000" cy="914400"/>
+          </a:xfrm>
+          <a:prstGeom prst="rect">
+            <a:avLst/>
+          </a:prstGeom>
+          <a:solidFill>
+            <a:srgbClr val="1A365D"/>
+          </a:solidFill>
+          <a:ln>
+            <a:noFill/>
+          </a:ln>
+        </p:spPr>
+        <p:style>
+          <a:lnRef idx="1">
+            <a:schemeClr val="accent1"/>
+          </a:lnRef>
+          <a:fillRef idx="3">
+            <a:schemeClr val="accent1"/>
+          </a:fillRef>
+          <a:effectRef idx="2">
+            <a:schemeClr val="accent1"/>
+          </a:effectRef>
+          <a:fontRef idx="minor">
+            <a:schemeClr val="lt1"/>
+          </a:fontRef>
+        </p:style>
+        <p:txBody>
+          <a:bodyPr rtlCol="0" anchor="ctr"/>
+          <a:lstStyle/>
+          <a:p>
+            <a:pPr algn="ctr"/>
+          </a:p>
+        </p:txBody>
+      </p:sp>
+      <p:sp>
+        <p:nvSpPr>
+          <p:cNvPr id="3" name="TextBox 2"/>
+          <p:cNvSpPr txBox="1"/>
+          <p:nvPr/>
+        </p:nvSpPr>
+        <p:spPr>
+          <a:xfrm>
+            <a:off x="457200" y="228600"/>
+            <a:ext cx="8229600" cy="548640"/>
+          </a:xfrm>
+          <a:prstGeom prst="rect">
+            <a:avLst/>
+          </a:prstGeom>
+          <a:noFill/>
+        </p:spPr>
+        <p:txBody>
+          <a:bodyPr wrap="none">
+            <a:spAutoFit/>
+          </a:bodyPr>
+          <a:lstStyle/>
+          <a:p>
+            <a:pPr>
+              <a:defRPr sz="2800" b="1">
+                <a:solidFill>
+                  <a:srgbClr val="FFFFFF"/>
+                </a:solidFill>
+              </a:defRPr>
+            </a:pPr>
+            <a:r>
+              <a:t>브랜드별 사용법 비율</a:t>
+            </a:r>
+          </a:p>
+        </p:txBody>
+      </p:sp>
+      <p:graphicFrame>
+        <p:nvGraphicFramePr>
+          <p:cNvPr id="4" name="Table 3"/>
+          <p:cNvGraphicFramePr>
+            <a:graphicFrameLocks noGrp="1"/>
+          </p:cNvGraphicFramePr>
+          <p:nvPr/>
+        </p:nvGraphicFramePr>
+        <p:xfrm>
+          <a:off x="274320" y="1097280"/>
+          <a:ext cx="8595360" cy="2926080"/>
+        </p:xfrm>
+        <a:graphic>
+          <a:graphicData uri="http://schemas.openxmlformats.org/drawingml/2006/table">
+            <a:tbl>
+              <a:tblPr firstRow="1" bandRow="1">
+                <a:tableStyleId>{5C22544A-7EE6-4342-B048-85BDC9FD1C3A}</a:tableStyleId>
+              </a:tblPr>
+              <a:tblGrid>
+                <a:gridCol w="1719072"/>
+                <a:gridCol w="1719072"/>
+                <a:gridCol w="1719072"/>
+                <a:gridCol w="1719072"/>
+                <a:gridCol w="1719072"/>
+              </a:tblGrid>
+              <a:tr h="365760">
+                <a:tc>
+                  <a:txBody>
+                    <a:bodyPr/>
+                    <a:lstStyle/>
+                    <a:p>
+                      <a:pPr algn="ctr">
+                        <a:defRPr sz="1200" b="1">
+                          <a:solidFill>
+                            <a:srgbClr val="FFFFFF"/>
+                          </a:solidFill>
+                        </a:defRPr>
+                      </a:pPr>
+                      <a:r>
+                        <a:t>브랜드</a:t>
+                      </a:r>
+                    </a:p>
+                  </a:txBody>
+                  <a:tcPr>
+                    <a:solidFill>
+                      <a:srgbClr val="1A365D"/>
+                    </a:solidFill>
+                  </a:tcPr>
+                </a:tc>
+                <a:tc>
+                  <a:txBody>
+                    <a:bodyPr/>
+                    <a:lstStyle/>
+                    <a:p>
+                      <a:pPr algn="ctr">
+                        <a:defRPr sz="1200" b="1">
+                          <a:solidFill>
+                            <a:srgbClr val="FFFFFF"/>
+                          </a:solidFill>
+                        </a:defRPr>
+                      </a:pPr>
+                      <a:r>
+                        <a:t>닦토</a:t>
+                      </a:r>
+                    </a:p>
+                  </a:txBody>
+                  <a:tcPr>
+                    <a:solidFill>
+                      <a:srgbClr val="1A365D"/>
+                    </a:solidFill>
+                  </a:tcPr>
+                </a:tc>
+                <a:tc>
+                  <a:txBody>
+                    <a:bodyPr/>
+                    <a:lstStyle/>
+                    <a:p>
+                      <a:pPr algn="ctr">
+                        <a:defRPr sz="1200" b="1">
+                          <a:solidFill>
+                            <a:srgbClr val="FFFFFF"/>
+                          </a:solidFill>
+                        </a:defRPr>
+                      </a:pPr>
+                      <a:r>
+                        <a:t>레이어링</a:t>
+                      </a:r>
+                    </a:p>
+                  </a:txBody>
+                  <a:tcPr>
+                    <a:solidFill>
+                      <a:srgbClr val="1A365D"/>
+                    </a:solidFill>
+                  </a:tcPr>
+                </a:tc>
+                <a:tc>
+                  <a:txBody>
+                    <a:bodyPr/>
+                    <a:lstStyle/>
+                    <a:p>
+                      <a:pPr algn="ctr">
+                        <a:defRPr sz="1200" b="1">
+                          <a:solidFill>
+                            <a:srgbClr val="FFFFFF"/>
+                          </a:solidFill>
+                        </a:defRPr>
+                      </a:pPr>
+                      <a:r>
+                        <a:t>스킨팩</a:t>
+                      </a:r>
+                    </a:p>
+                  </a:txBody>
+                  <a:tcPr>
+                    <a:solidFill>
+                      <a:srgbClr val="1A365D"/>
+                    </a:solidFill>
+                  </a:tcPr>
+                </a:tc>
+                <a:tc>
+                  <a:txBody>
+                    <a:bodyPr/>
+                    <a:lstStyle/>
+                    <a:p>
+                      <a:pPr algn="ctr">
+                        <a:defRPr sz="1200" b="1">
+                          <a:solidFill>
+                            <a:srgbClr val="FFFFFF"/>
+                          </a:solidFill>
+                        </a:defRPr>
+                      </a:pPr>
+                      <a:r>
+                        <a:t>바디</a:t>
+                      </a:r>
+                    </a:p>
+                  </a:txBody>
+                  <a:tcPr>
+                    <a:solidFill>
+                      <a:srgbClr val="1A365D"/>
+                    </a:solidFill>
+                  </a:tcPr>
+                </a:tc>
+              </a:tr>
+              <a:tr h="365760">
+                <a:tc>
+                  <a:txBody>
+                    <a:bodyPr/>
+                    <a:lstStyle/>
+                    <a:p>
+                      <a:pPr algn="l">
+                        <a:defRPr sz="1100">
+                          <a:solidFill>
+                            <a:srgbClr val="1A365D"/>
+                          </a:solidFill>
+                        </a:defRPr>
+                      </a:pPr>
+                      <a:r>
+                        <a:t>토리든</a:t>
+                      </a:r>
+                    </a:p>
+                  </a:txBody>
+                  <a:tcPr/>
+                </a:tc>
+                <a:tc>
+                  <a:txBody>
+                    <a:bodyPr/>
+                    <a:lstStyle/>
+                    <a:p>
+                      <a:pPr algn="ctr">
+                        <a:defRPr sz="1100">
+                          <a:solidFill>
+                            <a:srgbClr val="1A365D"/>
+                          </a:solidFill>
+                        </a:defRPr>
+                      </a:pPr>
+                      <a:r>
+                        <a:t>30%</a:t>
+                      </a:r>
+                    </a:p>
+                  </a:txBody>
+                  <a:tcPr/>
+                </a:tc>
+                <a:tc>
+                  <a:txBody>
+                    <a:bodyPr/>
+                    <a:lstStyle/>
+                    <a:p>
+                      <a:pPr algn="ctr">
+                        <a:defRPr sz="1100">
+                          <a:solidFill>
+                            <a:srgbClr val="1A365D"/>
+                          </a:solidFill>
+                        </a:defRPr>
+                      </a:pPr>
+                      <a:r>
+                        <a:t>18%</a:t>
+                      </a:r>
+                    </a:p>
+                  </a:txBody>
+                  <a:tcPr/>
+                </a:tc>
+                <a:tc>
+                  <a:txBody>
+                    <a:bodyPr/>
+                    <a:lstStyle/>
+                    <a:p>
+                      <a:pPr algn="ctr">
+                        <a:defRPr sz="1100">
+                          <a:solidFill>
+                            <a:srgbClr val="1A365D"/>
+                          </a:solidFill>
+                        </a:defRPr>
+                      </a:pPr>
+                      <a:r>
+                        <a:t>9%</a:t>
+                      </a:r>
+                    </a:p>
+                  </a:txBody>
+                  <a:tcPr/>
+                </a:tc>
+                <a:tc>
+                  <a:txBody>
+                    <a:bodyPr/>
+                    <a:lstStyle/>
+                    <a:p>
+                      <a:pPr algn="ctr">
+                        <a:defRPr sz="1100">
+                          <a:solidFill>
+                            <a:srgbClr val="1A365D"/>
+                          </a:solidFill>
+                        </a:defRPr>
+                      </a:pPr>
+                      <a:r>
+                        <a:t>1%</a:t>
+                      </a:r>
+                    </a:p>
+                  </a:txBody>
+                  <a:tcPr/>
+                </a:tc>
+              </a:tr>
+              <a:tr h="365760">
+                <a:tc>
+                  <a:txBody>
+                    <a:bodyPr/>
+                    <a:lstStyle/>
+                    <a:p>
+                      <a:pPr algn="l">
+                        <a:defRPr sz="1100">
+                          <a:solidFill>
+                            <a:srgbClr val="1A365D"/>
+                          </a:solidFill>
+                        </a:defRPr>
+                      </a:pPr>
+                      <a:r>
+                        <a:t>브링그린</a:t>
+                      </a:r>
+                    </a:p>
+                  </a:txBody>
+                  <a:tcPr/>
+                </a:tc>
+                <a:tc>
+                  <a:txBody>
+                    <a:bodyPr/>
+                    <a:lstStyle/>
+                    <a:p>
+                      <a:pPr algn="ctr">
+                        <a:defRPr sz="1100">
+                          <a:solidFill>
+                            <a:srgbClr val="1A365D"/>
+                          </a:solidFill>
+                        </a:defRPr>
+                      </a:pPr>
+                      <a:r>
+                        <a:t>33%</a:t>
+                      </a:r>
+                    </a:p>
+                  </a:txBody>
+                  <a:tcPr/>
+                </a:tc>
+                <a:tc>
+                  <a:txBody>
+                    <a:bodyPr/>
+                    <a:lstStyle/>
+                    <a:p>
+                      <a:pPr algn="ctr">
+                        <a:defRPr sz="1100">
+                          <a:solidFill>
+                            <a:srgbClr val="1A365D"/>
+                          </a:solidFill>
+                        </a:defRPr>
+                      </a:pPr>
+                      <a:r>
+                        <a:t>13%</a:t>
+                      </a:r>
+                    </a:p>
+                  </a:txBody>
+                  <a:tcPr/>
+                </a:tc>
+                <a:tc>
+                  <a:txBody>
+                    <a:bodyPr/>
+                    <a:lstStyle/>
+                    <a:p>
+                      <a:pPr algn="ctr">
+                        <a:defRPr sz="1100">
+                          <a:solidFill>
+                            <a:srgbClr val="1A365D"/>
+                          </a:solidFill>
+                        </a:defRPr>
+                      </a:pPr>
+                      <a:r>
+                        <a:t>12%</a:t>
+                      </a:r>
+                    </a:p>
+                  </a:txBody>
+                  <a:tcPr/>
+                </a:tc>
+                <a:tc>
+                  <a:txBody>
+                    <a:bodyPr/>
+                    <a:lstStyle/>
+                    <a:p>
+                      <a:pPr algn="ctr">
+                        <a:defRPr sz="1100">
+                          <a:solidFill>
+                            <a:srgbClr val="1A365D"/>
+                          </a:solidFill>
+                        </a:defRPr>
+                      </a:pPr>
+                      <a:r>
+                        <a:t>1%</a:t>
+                      </a:r>
+                    </a:p>
+                  </a:txBody>
+                  <a:tcPr/>
+                </a:tc>
+              </a:tr>
+              <a:tr h="365760">
+                <a:tc>
+                  <a:txBody>
+                    <a:bodyPr/>
+                    <a:lstStyle/>
+                    <a:p>
+                      <a:pPr algn="l">
+                        <a:defRPr sz="1100">
+                          <a:solidFill>
+                            <a:srgbClr val="1A365D"/>
+                          </a:solidFill>
+                        </a:defRPr>
+                      </a:pPr>
+                      <a:r>
+                        <a:t>독도토너</a:t>
+                      </a:r>
+                    </a:p>
+                  </a:txBody>
+                  <a:tcPr/>
+                </a:tc>
+                <a:tc>
+                  <a:txBody>
+                    <a:bodyPr/>
+                    <a:lstStyle/>
+                    <a:p>
+                      <a:pPr algn="ctr">
+                        <a:defRPr sz="1100">
+                          <a:solidFill>
+                            <a:srgbClr val="1A365D"/>
+                          </a:solidFill>
+                        </a:defRPr>
+                      </a:pPr>
+                      <a:r>
+                        <a:t>38%</a:t>
+                      </a:r>
+                    </a:p>
+                  </a:txBody>
+                  <a:tcPr/>
+                </a:tc>
+                <a:tc>
+                  <a:txBody>
+                    <a:bodyPr/>
+                    <a:lstStyle/>
+                    <a:p>
+                      <a:pPr algn="ctr">
+                        <a:defRPr sz="1100">
+                          <a:solidFill>
+                            <a:srgbClr val="1A365D"/>
+                          </a:solidFill>
+                        </a:defRPr>
+                      </a:pPr>
+                      <a:r>
+                        <a:t>12%</a:t>
+                      </a:r>
+                    </a:p>
+                  </a:txBody>
+                  <a:tcPr/>
+                </a:tc>
+                <a:tc>
+                  <a:txBody>
+                    <a:bodyPr/>
+                    <a:lstStyle/>
+                    <a:p>
+                      <a:pPr algn="ctr">
+                        <a:defRPr sz="1100">
+                          <a:solidFill>
+                            <a:srgbClr val="1A365D"/>
+                          </a:solidFill>
+                        </a:defRPr>
+                      </a:pPr>
+                      <a:r>
+                        <a:t>7%</a:t>
+                      </a:r>
+                    </a:p>
+                  </a:txBody>
+                  <a:tcPr/>
+                </a:tc>
+                <a:tc>
+                  <a:txBody>
+                    <a:bodyPr/>
+                    <a:lstStyle/>
+                    <a:p>
+                      <a:pPr algn="ctr">
+                        <a:defRPr sz="1100">
+                          <a:solidFill>
+                            <a:srgbClr val="1A365D"/>
+                          </a:solidFill>
+                        </a:defRPr>
+                      </a:pPr>
+                      <a:r>
+                        <a:t>1%</a:t>
+                      </a:r>
+                    </a:p>
+                  </a:txBody>
+                  <a:tcPr/>
+                </a:tc>
+              </a:tr>
+              <a:tr h="365760">
+                <a:tc>
+                  <a:txBody>
+                    <a:bodyPr/>
+                    <a:lstStyle/>
+                    <a:p>
+                      <a:pPr algn="l">
+                        <a:defRPr sz="1100">
+                          <a:solidFill>
+                            <a:srgbClr val="1A365D"/>
+                          </a:solidFill>
+                        </a:defRPr>
+                      </a:pPr>
+                      <a:r>
+                        <a:t>에스네이처</a:t>
+                      </a:r>
+                    </a:p>
+                  </a:txBody>
+                  <a:tcPr/>
+                </a:tc>
+                <a:tc>
+                  <a:txBody>
+                    <a:bodyPr/>
+                    <a:lstStyle/>
+                    <a:p>
+                      <a:pPr algn="ctr">
+                        <a:defRPr sz="1100">
+                          <a:solidFill>
+                            <a:srgbClr val="1A365D"/>
+                          </a:solidFill>
+                        </a:defRPr>
+                      </a:pPr>
+                      <a:r>
+                        <a:t>31%</a:t>
+                      </a:r>
+                    </a:p>
+                  </a:txBody>
+                  <a:tcPr/>
+                </a:tc>
+                <a:tc>
+                  <a:txBody>
+                    <a:bodyPr/>
+                    <a:lstStyle/>
+                    <a:p>
+                      <a:pPr algn="ctr">
+                        <a:defRPr sz="1100">
+                          <a:solidFill>
+                            <a:srgbClr val="1A365D"/>
+                          </a:solidFill>
+                        </a:defRPr>
+                      </a:pPr>
+                      <a:r>
+                        <a:t>15%</a:t>
+                      </a:r>
+                    </a:p>
+                  </a:txBody>
+                  <a:tcPr/>
+                </a:tc>
+                <a:tc>
+                  <a:txBody>
+                    <a:bodyPr/>
+                    <a:lstStyle/>
+                    <a:p>
+                      <a:pPr algn="ctr">
+                        <a:defRPr sz="1100">
+                          <a:solidFill>
+                            <a:srgbClr val="1A365D"/>
+                          </a:solidFill>
+                        </a:defRPr>
+                      </a:pPr>
+                      <a:r>
+                        <a:t>5%</a:t>
+                      </a:r>
+                    </a:p>
+                  </a:txBody>
+                  <a:tcPr/>
+                </a:tc>
+                <a:tc>
+                  <a:txBody>
+                    <a:bodyPr/>
+                    <a:lstStyle/>
+                    <a:p>
+                      <a:pPr algn="ctr">
+                        <a:defRPr sz="1100">
+                          <a:solidFill>
+                            <a:srgbClr val="1A365D"/>
+                          </a:solidFill>
+                        </a:defRPr>
+                      </a:pPr>
+                      <a:r>
+                        <a:t>0%</a:t>
+                      </a:r>
+                    </a:p>
+                  </a:txBody>
+                  <a:tcPr/>
+                </a:tc>
+              </a:tr>
+              <a:tr h="365760">
+                <a:tc>
+                  <a:txBody>
+                    <a:bodyPr/>
+                    <a:lstStyle/>
+                    <a:p>
+                      <a:pPr algn="l">
+                        <a:defRPr sz="1100">
+                          <a:solidFill>
+                            <a:srgbClr val="1A365D"/>
+                          </a:solidFill>
+                        </a:defRPr>
+                      </a:pPr>
+                      <a:r>
+                        <a:t>아누아</a:t>
+                      </a:r>
+                    </a:p>
+                  </a:txBody>
+                  <a:tcPr/>
+                </a:tc>
+                <a:tc>
+                  <a:txBody>
+                    <a:bodyPr/>
+                    <a:lstStyle/>
+                    <a:p>
+                      <a:pPr algn="ctr">
+                        <a:defRPr sz="1100">
+                          <a:solidFill>
+                            <a:srgbClr val="1A365D"/>
+                          </a:solidFill>
+                        </a:defRPr>
+                      </a:pPr>
+                      <a:r>
+                        <a:t>31%</a:t>
+                      </a:r>
+                    </a:p>
+                  </a:txBody>
+                  <a:tcPr/>
+                </a:tc>
+                <a:tc>
+                  <a:txBody>
+                    <a:bodyPr/>
+                    <a:lstStyle/>
+                    <a:p>
+                      <a:pPr algn="ctr">
+                        <a:defRPr sz="1100">
+                          <a:solidFill>
+                            <a:srgbClr val="1A365D"/>
+                          </a:solidFill>
+                        </a:defRPr>
+                      </a:pPr>
+                      <a:r>
+                        <a:t>13%</a:t>
+                      </a:r>
+                    </a:p>
+                  </a:txBody>
+                  <a:tcPr/>
+                </a:tc>
+                <a:tc>
+                  <a:txBody>
+                    <a:bodyPr/>
+                    <a:lstStyle/>
+                    <a:p>
+                      <a:pPr algn="ctr">
+                        <a:defRPr sz="1100">
+                          <a:solidFill>
+                            <a:srgbClr val="1A365D"/>
+                          </a:solidFill>
+                        </a:defRPr>
+                      </a:pPr>
+                      <a:r>
+                        <a:t>10%</a:t>
+                      </a:r>
+                    </a:p>
+                  </a:txBody>
+                  <a:tcPr/>
+                </a:tc>
+                <a:tc>
+                  <a:txBody>
+                    <a:bodyPr/>
+                    <a:lstStyle/>
+                    <a:p>
+                      <a:pPr algn="ctr">
+                        <a:defRPr sz="1100">
+                          <a:solidFill>
+                            <a:srgbClr val="1A365D"/>
+                          </a:solidFill>
+                        </a:defRPr>
+                      </a:pPr>
+                      <a:r>
+                        <a:t>1%</a:t>
+                      </a:r>
+                    </a:p>
+                  </a:txBody>
+                  <a:tcPr/>
+                </a:tc>
+              </a:tr>
+              <a:tr h="365760">
+                <a:tc>
+                  <a:txBody>
+                    <a:bodyPr/>
+                    <a:lstStyle/>
+                    <a:p>
+                      <a:pPr algn="l">
+                        <a:defRPr sz="1100">
+                          <a:solidFill>
+                            <a:srgbClr val="1A365D"/>
+                          </a:solidFill>
+                        </a:defRPr>
+                      </a:pPr>
+                      <a:r>
+                        <a:t>토니모리</a:t>
+                      </a:r>
+                    </a:p>
+                  </a:txBody>
+                  <a:tcPr/>
+                </a:tc>
+                <a:tc>
+                  <a:txBody>
+                    <a:bodyPr/>
+                    <a:lstStyle/>
+                    <a:p>
+                      <a:pPr algn="ctr">
+                        <a:defRPr sz="1100">
+                          <a:solidFill>
+                            <a:srgbClr val="1A365D"/>
+                          </a:solidFill>
+                        </a:defRPr>
+                      </a:pPr>
+                      <a:r>
+                        <a:t>31%</a:t>
+                      </a:r>
+                    </a:p>
+                  </a:txBody>
+                  <a:tcPr/>
+                </a:tc>
+                <a:tc>
+                  <a:txBody>
+                    <a:bodyPr/>
+                    <a:lstStyle/>
+                    <a:p>
+                      <a:pPr algn="ctr">
+                        <a:defRPr sz="1100">
+                          <a:solidFill>
+                            <a:srgbClr val="1A365D"/>
+                          </a:solidFill>
+                        </a:defRPr>
+                      </a:pPr>
+                      <a:r>
+                        <a:t>18%</a:t>
+                      </a:r>
+                    </a:p>
+                  </a:txBody>
+                  <a:tcPr/>
+                </a:tc>
+                <a:tc>
+                  <a:txBody>
+                    <a:bodyPr/>
+                    <a:lstStyle/>
+                    <a:p>
+                      <a:pPr algn="ctr">
+                        <a:defRPr sz="1100">
+                          <a:solidFill>
+                            <a:srgbClr val="1A365D"/>
+                          </a:solidFill>
+                        </a:defRPr>
+                      </a:pPr>
+                      <a:r>
+                        <a:t>10%</a:t>
+                      </a:r>
+                    </a:p>
+                  </a:txBody>
+                  <a:tcPr/>
+                </a:tc>
+                <a:tc>
+                  <a:txBody>
+                    <a:bodyPr/>
+                    <a:lstStyle/>
+                    <a:p>
+                      <a:pPr algn="ctr">
+                        <a:defRPr sz="1100">
+                          <a:solidFill>
+                            <a:srgbClr val="1A365D"/>
+                          </a:solidFill>
+                        </a:defRPr>
+                      </a:pPr>
+                      <a:r>
+                        <a:t>1%</a:t>
+                      </a:r>
+                    </a:p>
+                  </a:txBody>
+                  <a:tcPr/>
+                </a:tc>
+              </a:tr>
+              <a:tr h="365760">
+                <a:tc>
+                  <a:txBody>
+                    <a:bodyPr/>
+                    <a:lstStyle/>
+                    <a:p>
+                      <a:pPr algn="l">
+                        <a:defRPr sz="1100">
+                          <a:solidFill>
+                            <a:srgbClr val="1A365D"/>
+                          </a:solidFill>
+                        </a:defRPr>
+                      </a:pPr>
+                      <a:r>
+                        <a:t>아비브</a:t>
+                      </a:r>
+                    </a:p>
+                  </a:txBody>
+                  <a:tcPr/>
+                </a:tc>
+                <a:tc>
+                  <a:txBody>
+                    <a:bodyPr/>
+                    <a:lstStyle/>
+                    <a:p>
+                      <a:pPr algn="ctr">
+                        <a:defRPr sz="1100">
+                          <a:solidFill>
+                            <a:srgbClr val="1A365D"/>
+                          </a:solidFill>
+                        </a:defRPr>
+                      </a:pPr>
+                      <a:r>
+                        <a:t>27%</a:t>
+                      </a:r>
+                    </a:p>
+                  </a:txBody>
+                  <a:tcPr/>
+                </a:tc>
+                <a:tc>
+                  <a:txBody>
+                    <a:bodyPr/>
+                    <a:lstStyle/>
+                    <a:p>
+                      <a:pPr algn="ctr">
+                        <a:defRPr sz="1100">
+                          <a:solidFill>
+                            <a:srgbClr val="1A365D"/>
+                          </a:solidFill>
+                        </a:defRPr>
+                      </a:pPr>
+                      <a:r>
+                        <a:t>13%</a:t>
+                      </a:r>
+                    </a:p>
+                  </a:txBody>
+                  <a:tcPr/>
+                </a:tc>
+                <a:tc>
+                  <a:txBody>
+                    <a:bodyPr/>
+                    <a:lstStyle/>
+                    <a:p>
+                      <a:pPr algn="ctr">
+                        <a:defRPr sz="1100">
+                          <a:solidFill>
+                            <a:srgbClr val="1A365D"/>
+                          </a:solidFill>
+                        </a:defRPr>
+                      </a:pPr>
+                      <a:r>
+                        <a:t>8%</a:t>
+                      </a:r>
+                    </a:p>
+                  </a:txBody>
+                  <a:tcPr/>
+                </a:tc>
+                <a:tc>
+                  <a:txBody>
+                    <a:bodyPr/>
+                    <a:lstStyle/>
+                    <a:p>
+                      <a:pPr algn="ctr">
+                        <a:defRPr sz="1100">
+                          <a:solidFill>
+                            <a:srgbClr val="1A365D"/>
+                          </a:solidFill>
+                        </a:defRPr>
+                      </a:pPr>
+                      <a:r>
+                        <a:t>1%</a:t>
+                      </a:r>
+                    </a:p>
+                  </a:txBody>
+                  <a:tcPr/>
+                </a:tc>
+              </a:tr>
+            </a:tbl>
+          </a:graphicData>
+        </a:graphic>
+      </p:graphicFrame>
+    </p:spTree>
+  </p:cSld>
+  <p:clrMapOvr>
+    <a:masterClrMapping/>
+  </p:clrMapOvr>
+</p:sld>
+</file>
+
+<file path=ppt/slides/slide24.xml><?xml version="1.0" encoding="utf-8"?>
+<p:sld xmlns:a="http://schemas.openxmlformats.org/drawingml/2006/main" xmlns:p="http://schemas.openxmlformats.org/presentationml/2006/main" xmlns:r="http://schemas.openxmlformats.org/officeDocument/2006/relationships">
+  <p:cSld>
+    <p:spTree>
+      <p:nvGrpSpPr>
+        <p:cNvPr id="1" name=""/>
+        <p:cNvGrpSpPr/>
+        <p:nvPr/>
+      </p:nvGrpSpPr>
+      <p:grpSpPr/>
+      <p:sp>
+        <p:nvSpPr>
+          <p:cNvPr id="2" name="Rectangle 1"/>
+          <p:cNvSpPr/>
+          <p:nvPr/>
+        </p:nvSpPr>
+        <p:spPr>
+          <a:xfrm>
+            <a:off x="0" y="0"/>
+            <a:ext cx="9144000" cy="914400"/>
+          </a:xfrm>
+          <a:prstGeom prst="rect">
+            <a:avLst/>
+          </a:prstGeom>
+          <a:solidFill>
+            <a:srgbClr val="1A365D"/>
+          </a:solidFill>
+          <a:ln>
+            <a:noFill/>
+          </a:ln>
+        </p:spPr>
+        <p:style>
+          <a:lnRef idx="1">
+            <a:schemeClr val="accent1"/>
+          </a:lnRef>
+          <a:fillRef idx="3">
+            <a:schemeClr val="accent1"/>
+          </a:fillRef>
+          <a:effectRef idx="2">
+            <a:schemeClr val="accent1"/>
+          </a:effectRef>
+          <a:fontRef idx="minor">
+            <a:schemeClr val="lt1"/>
+          </a:fontRef>
+        </p:style>
+        <p:txBody>
+          <a:bodyPr rtlCol="0" anchor="ctr"/>
+          <a:lstStyle/>
+          <a:p>
+            <a:pPr algn="ctr"/>
+          </a:p>
+        </p:txBody>
+      </p:sp>
+      <p:sp>
+        <p:nvSpPr>
+          <p:cNvPr id="3" name="TextBox 2"/>
+          <p:cNvSpPr txBox="1"/>
+          <p:nvPr/>
+        </p:nvSpPr>
+        <p:spPr>
+          <a:xfrm>
+            <a:off x="457200" y="228600"/>
+            <a:ext cx="8229600" cy="548640"/>
+          </a:xfrm>
+          <a:prstGeom prst="rect">
+            <a:avLst/>
+          </a:prstGeom>
+          <a:noFill/>
+        </p:spPr>
+        <p:txBody>
+          <a:bodyPr wrap="none">
+            <a:spAutoFit/>
+          </a:bodyPr>
+          <a:lstStyle/>
+          <a:p>
+            <a:pPr>
+              <a:defRPr sz="2800" b="1">
+                <a:solidFill>
+                  <a:srgbClr val="FFFFFF"/>
+                </a:solidFill>
+              </a:defRPr>
+            </a:pPr>
+            <a:r>
+              <a:t>사용법 인사이트</a:t>
+            </a:r>
+          </a:p>
+        </p:txBody>
+      </p:sp>
+      <p:sp>
+        <p:nvSpPr>
+          <p:cNvPr id="4" name="TextBox 3"/>
+          <p:cNvSpPr txBox="1"/>
+          <p:nvPr/>
+        </p:nvSpPr>
+        <p:spPr>
+          <a:xfrm>
+            <a:off x="457200" y="1188720"/>
+            <a:ext cx="8229600" cy="5029200"/>
+          </a:xfrm>
+          <a:prstGeom prst="rect">
+            <a:avLst/>
+          </a:prstGeom>
+          <a:noFill/>
+        </p:spPr>
+        <p:txBody>
+          <a:bodyPr wrap="square">
+            <a:spAutoFit/>
+          </a:bodyPr>
+          <a:lstStyle/>
+          <a:p>
+            <a:pPr>
+              <a:spcAft>
+                <a:spcPts val="800"/>
+              </a:spcAft>
+              <a:defRPr sz="1600" b="1">
+                <a:solidFill>
+                  <a:srgbClr val="4A90D9"/>
+                </a:solidFill>
+              </a:defRPr>
+            </a:pPr>
+            <a:r>
+              <a:t>▶ 독도토너: 닦토 사용 최다 (38%)</a:t>
+            </a:r>
+          </a:p>
+          <a:p>
+            <a:pPr>
+              <a:spcAft>
+                <a:spcPts val="800"/>
+              </a:spcAft>
+              <a:defRPr sz="1600">
+                <a:solidFill>
+                  <a:srgbClr val="1A365D"/>
+                </a:solidFill>
+              </a:defRPr>
+            </a:pPr>
+            <a:r>
+              <a:t>   → 순한 성분으로 닦토 시 자극 적음 강조</a:t>
+            </a:r>
+          </a:p>
+          <a:p>
+            <a:pPr>
+              <a:spcAft>
+                <a:spcPts val="800"/>
+              </a:spcAft>
+              <a:defRPr sz="1600">
+                <a:solidFill>
+                  <a:srgbClr val="1A365D"/>
+                </a:solidFill>
+              </a:defRPr>
+            </a:pPr>
+          </a:p>
+          <a:p>
+            <a:pPr>
+              <a:spcAft>
+                <a:spcPts val="800"/>
+              </a:spcAft>
+              <a:defRPr sz="1600" b="1">
+                <a:solidFill>
+                  <a:srgbClr val="4A90D9"/>
+                </a:solidFill>
+              </a:defRPr>
+            </a:pPr>
+            <a:r>
+              <a:t>▶ 토리든/토니모리: 레이어링 사용 최다 (18%)</a:t>
+            </a:r>
+          </a:p>
+          <a:p>
+            <a:pPr>
+              <a:spcAft>
+                <a:spcPts val="800"/>
+              </a:spcAft>
+              <a:defRPr sz="1600">
+                <a:solidFill>
+                  <a:srgbClr val="1A365D"/>
+                </a:solidFill>
+              </a:defRPr>
+            </a:pPr>
+            <a:r>
+              <a:t>   → 대용량 + 촉촉함으로 여러 겹 사용에 적합</a:t>
+            </a:r>
+          </a:p>
+          <a:p>
+            <a:pPr>
+              <a:spcAft>
+                <a:spcPts val="800"/>
+              </a:spcAft>
+              <a:defRPr sz="1600">
+                <a:solidFill>
+                  <a:srgbClr val="1A365D"/>
+                </a:solidFill>
+              </a:defRPr>
+            </a:pPr>
+          </a:p>
+          <a:p>
+            <a:pPr>
+              <a:spcAft>
+                <a:spcPts val="800"/>
+              </a:spcAft>
+              <a:defRPr sz="1600" b="1">
+                <a:solidFill>
+                  <a:srgbClr val="4A90D9"/>
+                </a:solidFill>
+              </a:defRPr>
+            </a:pPr>
+            <a:r>
+              <a:t>▶ 브링그린: 스킨팩 사용 최다 (12%)</a:t>
+            </a:r>
+          </a:p>
+          <a:p>
+            <a:pPr>
+              <a:spcAft>
+                <a:spcPts val="800"/>
+              </a:spcAft>
+              <a:defRPr sz="1600">
+                <a:solidFill>
+                  <a:srgbClr val="1A365D"/>
+                </a:solidFill>
+              </a:defRPr>
+            </a:pPr>
+            <a:r>
+              <a:t>   → 진정 효과로 스킨팩 활용 마케팅 가능</a:t>
+            </a:r>
+          </a:p>
+          <a:p>
+            <a:pPr>
+              <a:spcAft>
+                <a:spcPts val="800"/>
+              </a:spcAft>
+              <a:defRPr sz="1600">
+                <a:solidFill>
+                  <a:srgbClr val="1A365D"/>
+                </a:solidFill>
+              </a:defRPr>
+            </a:pPr>
+          </a:p>
+          <a:p>
+            <a:pPr>
+              <a:spcAft>
+                <a:spcPts val="800"/>
+              </a:spcAft>
+              <a:defRPr sz="1600" b="1">
+                <a:solidFill>
+                  <a:srgbClr val="4A90D9"/>
+                </a:solidFill>
+              </a:defRPr>
+            </a:pPr>
+            <a:r>
+              <a:t>▶ 아비브: 닦토 사용 최저 (27%)</a:t>
+            </a:r>
+          </a:p>
+          <a:p>
+            <a:pPr>
+              <a:spcAft>
+                <a:spcPts val="800"/>
+              </a:spcAft>
+              <a:defRPr sz="1600">
+                <a:solidFill>
+                  <a:srgbClr val="1A365D"/>
+                </a:solidFill>
+              </a:defRPr>
+            </a:pPr>
+            <a:r>
+              <a:t>   → 진정/트러블 케어 목적, 패팅 사용 선호</a:t>
+            </a:r>
+          </a:p>
+        </p:txBody>
+      </p:sp>
+    </p:spTree>
+  </p:cSld>
+  <p:clrMapOvr>
+    <a:masterClrMapping/>
+  </p:clrMapOvr>
+</p:sld>
+</file>
+
+<file path=ppt/slides/slide25.xml><?xml version="1.0" encoding="utf-8"?>
 <p:sld xmlns:a="http://schemas.openxmlformats.org/drawingml/2006/main" xmlns:p="http://schemas.openxmlformats.org/presentationml/2006/main" xmlns:r="http://schemas.openxmlformats.org/officeDocument/2006/relationships">
   <p:cSld>
     <p:spTree>
@@ -7389,7 +8581,7 @@
               </a:defRPr>
             </a:pPr>
             <a:r>
-              <a:t>핵심 인사이트 &amp; 제언</a:t>
+              <a:t>브랜드별 부정 리뷰 분석</a:t>
             </a:r>
           </a:p>
         </p:txBody>
@@ -7402,7 +8594,2230 @@
 </p:sld>
 </file>
 
-<file path=ppt/slides/slide24.xml><?xml version="1.0" encoding="utf-8"?>
+<file path=ppt/slides/slide26.xml><?xml version="1.0" encoding="utf-8"?>
+<p:sld xmlns:a="http://schemas.openxmlformats.org/drawingml/2006/main" xmlns:p="http://schemas.openxmlformats.org/presentationml/2006/main" xmlns:r="http://schemas.openxmlformats.org/officeDocument/2006/relationships">
+  <p:cSld>
+    <p:spTree>
+      <p:nvGrpSpPr>
+        <p:cNvPr id="1" name=""/>
+        <p:cNvGrpSpPr/>
+        <p:nvPr/>
+      </p:nvGrpSpPr>
+      <p:grpSpPr/>
+      <p:sp>
+        <p:nvSpPr>
+          <p:cNvPr id="2" name="Rectangle 1"/>
+          <p:cNvSpPr/>
+          <p:nvPr/>
+        </p:nvSpPr>
+        <p:spPr>
+          <a:xfrm>
+            <a:off x="0" y="0"/>
+            <a:ext cx="9144000" cy="914400"/>
+          </a:xfrm>
+          <a:prstGeom prst="rect">
+            <a:avLst/>
+          </a:prstGeom>
+          <a:solidFill>
+            <a:srgbClr val="1A365D"/>
+          </a:solidFill>
+          <a:ln>
+            <a:noFill/>
+          </a:ln>
+        </p:spPr>
+        <p:style>
+          <a:lnRef idx="1">
+            <a:schemeClr val="accent1"/>
+          </a:lnRef>
+          <a:fillRef idx="3">
+            <a:schemeClr val="accent1"/>
+          </a:fillRef>
+          <a:effectRef idx="2">
+            <a:schemeClr val="accent1"/>
+          </a:effectRef>
+          <a:fontRef idx="minor">
+            <a:schemeClr val="lt1"/>
+          </a:fontRef>
+        </p:style>
+        <p:txBody>
+          <a:bodyPr rtlCol="0" anchor="ctr"/>
+          <a:lstStyle/>
+          <a:p>
+            <a:pPr algn="ctr"/>
+          </a:p>
+        </p:txBody>
+      </p:sp>
+      <p:sp>
+        <p:nvSpPr>
+          <p:cNvPr id="3" name="TextBox 2"/>
+          <p:cNvSpPr txBox="1"/>
+          <p:nvPr/>
+        </p:nvSpPr>
+        <p:spPr>
+          <a:xfrm>
+            <a:off x="457200" y="228600"/>
+            <a:ext cx="8229600" cy="548640"/>
+          </a:xfrm>
+          <a:prstGeom prst="rect">
+            <a:avLst/>
+          </a:prstGeom>
+          <a:noFill/>
+        </p:spPr>
+        <p:txBody>
+          <a:bodyPr wrap="none">
+            <a:spAutoFit/>
+          </a:bodyPr>
+          <a:lstStyle/>
+          <a:p>
+            <a:pPr>
+              <a:defRPr sz="2800" b="1">
+                <a:solidFill>
+                  <a:srgbClr val="FFFFFF"/>
+                </a:solidFill>
+              </a:defRPr>
+            </a:pPr>
+            <a:r>
+              <a:t>브랜드별 부정 리뷰 현황</a:t>
+            </a:r>
+          </a:p>
+        </p:txBody>
+      </p:sp>
+      <p:graphicFrame>
+        <p:nvGraphicFramePr>
+          <p:cNvPr id="4" name="Table 3"/>
+          <p:cNvGraphicFramePr>
+            <a:graphicFrameLocks noGrp="1"/>
+          </p:cNvGraphicFramePr>
+          <p:nvPr/>
+        </p:nvGraphicFramePr>
+        <p:xfrm>
+          <a:off x="274320" y="1097280"/>
+          <a:ext cx="8595360" cy="2926080"/>
+        </p:xfrm>
+        <a:graphic>
+          <a:graphicData uri="http://schemas.openxmlformats.org/drawingml/2006/table">
+            <a:tbl>
+              <a:tblPr firstRow="1" bandRow="1">
+                <a:tableStyleId>{5C22544A-7EE6-4342-B048-85BDC9FD1C3A}</a:tableStyleId>
+              </a:tblPr>
+              <a:tblGrid>
+                <a:gridCol w="2148840"/>
+                <a:gridCol w="2148840"/>
+                <a:gridCol w="2148840"/>
+                <a:gridCol w="2148840"/>
+              </a:tblGrid>
+              <a:tr h="365760">
+                <a:tc>
+                  <a:txBody>
+                    <a:bodyPr/>
+                    <a:lstStyle/>
+                    <a:p>
+                      <a:pPr algn="ctr">
+                        <a:defRPr sz="1200" b="1">
+                          <a:solidFill>
+                            <a:srgbClr val="FFFFFF"/>
+                          </a:solidFill>
+                        </a:defRPr>
+                      </a:pPr>
+                      <a:r>
+                        <a:t>브랜드</a:t>
+                      </a:r>
+                    </a:p>
+                  </a:txBody>
+                  <a:tcPr>
+                    <a:solidFill>
+                      <a:srgbClr val="1A365D"/>
+                    </a:solidFill>
+                  </a:tcPr>
+                </a:tc>
+                <a:tc>
+                  <a:txBody>
+                    <a:bodyPr/>
+                    <a:lstStyle/>
+                    <a:p>
+                      <a:pPr algn="ctr">
+                        <a:defRPr sz="1200" b="1">
+                          <a:solidFill>
+                            <a:srgbClr val="FFFFFF"/>
+                          </a:solidFill>
+                        </a:defRPr>
+                      </a:pPr>
+                      <a:r>
+                        <a:t>부정 리뷰</a:t>
+                      </a:r>
+                    </a:p>
+                  </a:txBody>
+                  <a:tcPr>
+                    <a:solidFill>
+                      <a:srgbClr val="1A365D"/>
+                    </a:solidFill>
+                  </a:tcPr>
+                </a:tc>
+                <a:tc>
+                  <a:txBody>
+                    <a:bodyPr/>
+                    <a:lstStyle/>
+                    <a:p>
+                      <a:pPr algn="ctr">
+                        <a:defRPr sz="1200" b="1">
+                          <a:solidFill>
+                            <a:srgbClr val="FFFFFF"/>
+                          </a:solidFill>
+                        </a:defRPr>
+                      </a:pPr>
+                      <a:r>
+                        <a:t>부정률</a:t>
+                      </a:r>
+                    </a:p>
+                  </a:txBody>
+                  <a:tcPr>
+                    <a:solidFill>
+                      <a:srgbClr val="1A365D"/>
+                    </a:solidFill>
+                  </a:tcPr>
+                </a:tc>
+                <a:tc>
+                  <a:txBody>
+                    <a:bodyPr/>
+                    <a:lstStyle/>
+                    <a:p>
+                      <a:pPr algn="ctr">
+                        <a:defRPr sz="1200" b="1">
+                          <a:solidFill>
+                            <a:srgbClr val="FFFFFF"/>
+                          </a:solidFill>
+                        </a:defRPr>
+                      </a:pPr>
+                      <a:r>
+                        <a:t>주요 불만</a:t>
+                      </a:r>
+                    </a:p>
+                  </a:txBody>
+                  <a:tcPr>
+                    <a:solidFill>
+                      <a:srgbClr val="1A365D"/>
+                    </a:solidFill>
+                  </a:tcPr>
+                </a:tc>
+              </a:tr>
+              <a:tr h="365760">
+                <a:tc>
+                  <a:txBody>
+                    <a:bodyPr/>
+                    <a:lstStyle/>
+                    <a:p>
+                      <a:pPr algn="l">
+                        <a:defRPr sz="1100">
+                          <a:solidFill>
+                            <a:srgbClr val="1A365D"/>
+                          </a:solidFill>
+                        </a:defRPr>
+                      </a:pPr>
+                      <a:r>
+                        <a:t>토리든</a:t>
+                      </a:r>
+                    </a:p>
+                  </a:txBody>
+                  <a:tcPr/>
+                </a:tc>
+                <a:tc>
+                  <a:txBody>
+                    <a:bodyPr/>
+                    <a:lstStyle/>
+                    <a:p>
+                      <a:pPr algn="ctr">
+                        <a:defRPr sz="1100">
+                          <a:solidFill>
+                            <a:srgbClr val="1A365D"/>
+                          </a:solidFill>
+                        </a:defRPr>
+                      </a:pPr>
+                      <a:r>
+                        <a:t>199건</a:t>
+                      </a:r>
+                    </a:p>
+                  </a:txBody>
+                  <a:tcPr/>
+                </a:tc>
+                <a:tc>
+                  <a:txBody>
+                    <a:bodyPr/>
+                    <a:lstStyle/>
+                    <a:p>
+                      <a:pPr algn="ctr">
+                        <a:defRPr sz="1100">
+                          <a:solidFill>
+                            <a:srgbClr val="1A365D"/>
+                          </a:solidFill>
+                        </a:defRPr>
+                      </a:pPr>
+                      <a:r>
+                        <a:t>1.9%</a:t>
+                      </a:r>
+                    </a:p>
+                  </a:txBody>
+                  <a:tcPr/>
+                </a:tc>
+                <a:tc>
+                  <a:txBody>
+                    <a:bodyPr/>
+                    <a:lstStyle/>
+                    <a:p>
+                      <a:pPr algn="ctr">
+                        <a:defRPr sz="1100">
+                          <a:solidFill>
+                            <a:srgbClr val="1A365D"/>
+                          </a:solidFill>
+                        </a:defRPr>
+                      </a:pPr>
+                      <a:r>
+                        <a:t>건조/보습부족, 트러블, 효과부족</a:t>
+                      </a:r>
+                    </a:p>
+                  </a:txBody>
+                  <a:tcPr/>
+                </a:tc>
+              </a:tr>
+              <a:tr h="365760">
+                <a:tc>
+                  <a:txBody>
+                    <a:bodyPr/>
+                    <a:lstStyle/>
+                    <a:p>
+                      <a:pPr algn="l">
+                        <a:defRPr sz="1100">
+                          <a:solidFill>
+                            <a:srgbClr val="1A365D"/>
+                          </a:solidFill>
+                        </a:defRPr>
+                      </a:pPr>
+                      <a:r>
+                        <a:t>브링그린</a:t>
+                      </a:r>
+                    </a:p>
+                  </a:txBody>
+                  <a:tcPr/>
+                </a:tc>
+                <a:tc>
+                  <a:txBody>
+                    <a:bodyPr/>
+                    <a:lstStyle/>
+                    <a:p>
+                      <a:pPr algn="ctr">
+                        <a:defRPr sz="1100">
+                          <a:solidFill>
+                            <a:srgbClr val="1A365D"/>
+                          </a:solidFill>
+                        </a:defRPr>
+                      </a:pPr>
+                      <a:r>
+                        <a:t>176건</a:t>
+                      </a:r>
+                    </a:p>
+                  </a:txBody>
+                  <a:tcPr/>
+                </a:tc>
+                <a:tc>
+                  <a:txBody>
+                    <a:bodyPr/>
+                    <a:lstStyle/>
+                    <a:p>
+                      <a:pPr algn="ctr">
+                        <a:defRPr sz="1100">
+                          <a:solidFill>
+                            <a:srgbClr val="1A365D"/>
+                          </a:solidFill>
+                        </a:defRPr>
+                      </a:pPr>
+                      <a:r>
+                        <a:t>2.8%</a:t>
+                      </a:r>
+                    </a:p>
+                  </a:txBody>
+                  <a:tcPr/>
+                </a:tc>
+                <a:tc>
+                  <a:txBody>
+                    <a:bodyPr/>
+                    <a:lstStyle/>
+                    <a:p>
+                      <a:pPr algn="ctr">
+                        <a:defRPr sz="1100">
+                          <a:solidFill>
+                            <a:srgbClr val="1A365D"/>
+                          </a:solidFill>
+                        </a:defRPr>
+                      </a:pPr>
+                      <a:r>
+                        <a:t>트러블, 자극/따가움, 건조</a:t>
+                      </a:r>
+                    </a:p>
+                  </a:txBody>
+                  <a:tcPr/>
+                </a:tc>
+              </a:tr>
+              <a:tr h="365760">
+                <a:tc>
+                  <a:txBody>
+                    <a:bodyPr/>
+                    <a:lstStyle/>
+                    <a:p>
+                      <a:pPr algn="l">
+                        <a:defRPr sz="1100">
+                          <a:solidFill>
+                            <a:srgbClr val="1A365D"/>
+                          </a:solidFill>
+                        </a:defRPr>
+                      </a:pPr>
+                      <a:r>
+                        <a:t>독도토너</a:t>
+                      </a:r>
+                    </a:p>
+                  </a:txBody>
+                  <a:tcPr/>
+                </a:tc>
+                <a:tc>
+                  <a:txBody>
+                    <a:bodyPr/>
+                    <a:lstStyle/>
+                    <a:p>
+                      <a:pPr algn="ctr">
+                        <a:defRPr sz="1100">
+                          <a:solidFill>
+                            <a:srgbClr val="1A365D"/>
+                          </a:solidFill>
+                        </a:defRPr>
+                      </a:pPr>
+                      <a:r>
+                        <a:t>63건</a:t>
+                      </a:r>
+                    </a:p>
+                  </a:txBody>
+                  <a:tcPr/>
+                </a:tc>
+                <a:tc>
+                  <a:txBody>
+                    <a:bodyPr/>
+                    <a:lstStyle/>
+                    <a:p>
+                      <a:pPr algn="ctr">
+                        <a:defRPr sz="1100">
+                          <a:solidFill>
+                            <a:srgbClr val="1A365D"/>
+                          </a:solidFill>
+                        </a:defRPr>
+                      </a:pPr>
+                      <a:r>
+                        <a:t>1.5%</a:t>
+                      </a:r>
+                    </a:p>
+                  </a:txBody>
+                  <a:tcPr/>
+                </a:tc>
+                <a:tc>
+                  <a:txBody>
+                    <a:bodyPr/>
+                    <a:lstStyle/>
+                    <a:p>
+                      <a:pPr algn="ctr">
+                        <a:defRPr sz="1100">
+                          <a:solidFill>
+                            <a:srgbClr val="1A365D"/>
+                          </a:solidFill>
+                        </a:defRPr>
+                      </a:pPr>
+                      <a:r>
+                        <a:t>건조, 자극, 효과부족</a:t>
+                      </a:r>
+                    </a:p>
+                  </a:txBody>
+                  <a:tcPr/>
+                </a:tc>
+              </a:tr>
+              <a:tr h="365760">
+                <a:tc>
+                  <a:txBody>
+                    <a:bodyPr/>
+                    <a:lstStyle/>
+                    <a:p>
+                      <a:pPr algn="l">
+                        <a:defRPr sz="1100">
+                          <a:solidFill>
+                            <a:srgbClr val="1A365D"/>
+                          </a:solidFill>
+                        </a:defRPr>
+                      </a:pPr>
+                      <a:r>
+                        <a:t>에스네이처</a:t>
+                      </a:r>
+                    </a:p>
+                  </a:txBody>
+                  <a:tcPr/>
+                </a:tc>
+                <a:tc>
+                  <a:txBody>
+                    <a:bodyPr/>
+                    <a:lstStyle/>
+                    <a:p>
+                      <a:pPr algn="ctr">
+                        <a:defRPr sz="1100">
+                          <a:solidFill>
+                            <a:srgbClr val="1A365D"/>
+                          </a:solidFill>
+                        </a:defRPr>
+                      </a:pPr>
+                      <a:r>
+                        <a:t>49건</a:t>
+                      </a:r>
+                    </a:p>
+                  </a:txBody>
+                  <a:tcPr/>
+                </a:tc>
+                <a:tc>
+                  <a:txBody>
+                    <a:bodyPr/>
+                    <a:lstStyle/>
+                    <a:p>
+                      <a:pPr algn="ctr">
+                        <a:defRPr sz="1100">
+                          <a:solidFill>
+                            <a:srgbClr val="1A365D"/>
+                          </a:solidFill>
+                        </a:defRPr>
+                      </a:pPr>
+                      <a:r>
+                        <a:t>1.3%</a:t>
+                      </a:r>
+                    </a:p>
+                  </a:txBody>
+                  <a:tcPr/>
+                </a:tc>
+                <a:tc>
+                  <a:txBody>
+                    <a:bodyPr/>
+                    <a:lstStyle/>
+                    <a:p>
+                      <a:pPr algn="ctr">
+                        <a:defRPr sz="1100">
+                          <a:solidFill>
+                            <a:srgbClr val="1A365D"/>
+                          </a:solidFill>
+                        </a:defRPr>
+                      </a:pPr>
+                      <a:r>
+                        <a:t>건조, 트러블, 자극</a:t>
+                      </a:r>
+                    </a:p>
+                  </a:txBody>
+                  <a:tcPr/>
+                </a:tc>
+              </a:tr>
+              <a:tr h="365760">
+                <a:tc>
+                  <a:txBody>
+                    <a:bodyPr/>
+                    <a:lstStyle/>
+                    <a:p>
+                      <a:pPr algn="l">
+                        <a:defRPr sz="1100">
+                          <a:solidFill>
+                            <a:srgbClr val="1A365D"/>
+                          </a:solidFill>
+                        </a:defRPr>
+                      </a:pPr>
+                      <a:r>
+                        <a:t>아누아</a:t>
+                      </a:r>
+                    </a:p>
+                  </a:txBody>
+                  <a:tcPr/>
+                </a:tc>
+                <a:tc>
+                  <a:txBody>
+                    <a:bodyPr/>
+                    <a:lstStyle/>
+                    <a:p>
+                      <a:pPr algn="ctr">
+                        <a:defRPr sz="1100">
+                          <a:solidFill>
+                            <a:srgbClr val="1A365D"/>
+                          </a:solidFill>
+                        </a:defRPr>
+                      </a:pPr>
+                      <a:r>
+                        <a:t>92건</a:t>
+                      </a:r>
+                    </a:p>
+                  </a:txBody>
+                  <a:tcPr/>
+                </a:tc>
+                <a:tc>
+                  <a:txBody>
+                    <a:bodyPr/>
+                    <a:lstStyle/>
+                    <a:p>
+                      <a:pPr algn="ctr">
+                        <a:defRPr sz="1100">
+                          <a:solidFill>
+                            <a:srgbClr val="1A365D"/>
+                          </a:solidFill>
+                        </a:defRPr>
+                      </a:pPr>
+                      <a:r>
+                        <a:t>2.6%</a:t>
+                      </a:r>
+                    </a:p>
+                  </a:txBody>
+                  <a:tcPr/>
+                </a:tc>
+                <a:tc>
+                  <a:txBody>
+                    <a:bodyPr/>
+                    <a:lstStyle/>
+                    <a:p>
+                      <a:pPr algn="ctr">
+                        <a:defRPr sz="1100">
+                          <a:solidFill>
+                            <a:srgbClr val="1A365D"/>
+                          </a:solidFill>
+                        </a:defRPr>
+                      </a:pPr>
+                      <a:r>
+                        <a:t>트러블, 자극, 건조</a:t>
+                      </a:r>
+                    </a:p>
+                  </a:txBody>
+                  <a:tcPr/>
+                </a:tc>
+              </a:tr>
+              <a:tr h="365760">
+                <a:tc>
+                  <a:txBody>
+                    <a:bodyPr/>
+                    <a:lstStyle/>
+                    <a:p>
+                      <a:pPr algn="l">
+                        <a:defRPr sz="1100">
+                          <a:solidFill>
+                            <a:srgbClr val="1A365D"/>
+                          </a:solidFill>
+                        </a:defRPr>
+                      </a:pPr>
+                      <a:r>
+                        <a:t>토니모리</a:t>
+                      </a:r>
+                    </a:p>
+                  </a:txBody>
+                  <a:tcPr/>
+                </a:tc>
+                <a:tc>
+                  <a:txBody>
+                    <a:bodyPr/>
+                    <a:lstStyle/>
+                    <a:p>
+                      <a:pPr algn="ctr">
+                        <a:defRPr sz="1100">
+                          <a:solidFill>
+                            <a:srgbClr val="1A365D"/>
+                          </a:solidFill>
+                        </a:defRPr>
+                      </a:pPr>
+                      <a:r>
+                        <a:t>45건</a:t>
+                      </a:r>
+                    </a:p>
+                  </a:txBody>
+                  <a:tcPr/>
+                </a:tc>
+                <a:tc>
+                  <a:txBody>
+                    <a:bodyPr/>
+                    <a:lstStyle/>
+                    <a:p>
+                      <a:pPr algn="ctr">
+                        <a:defRPr sz="1100">
+                          <a:solidFill>
+                            <a:srgbClr val="1A365D"/>
+                          </a:solidFill>
+                        </a:defRPr>
+                      </a:pPr>
+                      <a:r>
+                        <a:t>1.5%</a:t>
+                      </a:r>
+                    </a:p>
+                  </a:txBody>
+                  <a:tcPr/>
+                </a:tc>
+                <a:tc>
+                  <a:txBody>
+                    <a:bodyPr/>
+                    <a:lstStyle/>
+                    <a:p>
+                      <a:pPr algn="ctr">
+                        <a:defRPr sz="1100">
+                          <a:solidFill>
+                            <a:srgbClr val="1A365D"/>
+                          </a:solidFill>
+                        </a:defRPr>
+                      </a:pPr>
+                      <a:r>
+                        <a:t>트러블, 건조, 자극</a:t>
+                      </a:r>
+                    </a:p>
+                  </a:txBody>
+                  <a:tcPr/>
+                </a:tc>
+              </a:tr>
+              <a:tr h="365760">
+                <a:tc>
+                  <a:txBody>
+                    <a:bodyPr/>
+                    <a:lstStyle/>
+                    <a:p>
+                      <a:pPr algn="l">
+                        <a:defRPr sz="1100">
+                          <a:solidFill>
+                            <a:srgbClr val="1A365D"/>
+                          </a:solidFill>
+                        </a:defRPr>
+                      </a:pPr>
+                      <a:r>
+                        <a:t>아비브</a:t>
+                      </a:r>
+                    </a:p>
+                  </a:txBody>
+                  <a:tcPr/>
+                </a:tc>
+                <a:tc>
+                  <a:txBody>
+                    <a:bodyPr/>
+                    <a:lstStyle/>
+                    <a:p>
+                      <a:pPr algn="ctr">
+                        <a:defRPr sz="1100">
+                          <a:solidFill>
+                            <a:srgbClr val="1A365D"/>
+                          </a:solidFill>
+                        </a:defRPr>
+                      </a:pPr>
+                      <a:r>
+                        <a:t>55건</a:t>
+                      </a:r>
+                    </a:p>
+                  </a:txBody>
+                  <a:tcPr/>
+                </a:tc>
+                <a:tc>
+                  <a:txBody>
+                    <a:bodyPr/>
+                    <a:lstStyle/>
+                    <a:p>
+                      <a:pPr algn="ctr">
+                        <a:defRPr sz="1100">
+                          <a:solidFill>
+                            <a:srgbClr val="1A365D"/>
+                          </a:solidFill>
+                        </a:defRPr>
+                      </a:pPr>
+                      <a:r>
+                        <a:t>2.0%</a:t>
+                      </a:r>
+                    </a:p>
+                  </a:txBody>
+                  <a:tcPr/>
+                </a:tc>
+                <a:tc>
+                  <a:txBody>
+                    <a:bodyPr/>
+                    <a:lstStyle/>
+                    <a:p>
+                      <a:pPr algn="ctr">
+                        <a:defRPr sz="1100">
+                          <a:solidFill>
+                            <a:srgbClr val="1A365D"/>
+                          </a:solidFill>
+                        </a:defRPr>
+                      </a:pPr>
+                      <a:r>
+                        <a:t>트러블, 효과부족, 진정효과부족</a:t>
+                      </a:r>
+                    </a:p>
+                  </a:txBody>
+                  <a:tcPr/>
+                </a:tc>
+              </a:tr>
+            </a:tbl>
+          </a:graphicData>
+        </a:graphic>
+      </p:graphicFrame>
+    </p:spTree>
+  </p:cSld>
+  <p:clrMapOvr>
+    <a:masterClrMapping/>
+  </p:clrMapOvr>
+</p:sld>
+</file>
+
+<file path=ppt/slides/slide27.xml><?xml version="1.0" encoding="utf-8"?>
+<p:sld xmlns:a="http://schemas.openxmlformats.org/drawingml/2006/main" xmlns:p="http://schemas.openxmlformats.org/presentationml/2006/main" xmlns:r="http://schemas.openxmlformats.org/officeDocument/2006/relationships">
+  <p:cSld>
+    <p:spTree>
+      <p:nvGrpSpPr>
+        <p:cNvPr id="1" name=""/>
+        <p:cNvGrpSpPr/>
+        <p:nvPr/>
+      </p:nvGrpSpPr>
+      <p:grpSpPr/>
+      <p:sp>
+        <p:nvSpPr>
+          <p:cNvPr id="2" name="Rectangle 1"/>
+          <p:cNvSpPr/>
+          <p:nvPr/>
+        </p:nvSpPr>
+        <p:spPr>
+          <a:xfrm>
+            <a:off x="0" y="0"/>
+            <a:ext cx="9144000" cy="914400"/>
+          </a:xfrm>
+          <a:prstGeom prst="rect">
+            <a:avLst/>
+          </a:prstGeom>
+          <a:solidFill>
+            <a:srgbClr val="1A365D"/>
+          </a:solidFill>
+          <a:ln>
+            <a:noFill/>
+          </a:ln>
+        </p:spPr>
+        <p:style>
+          <a:lnRef idx="1">
+            <a:schemeClr val="accent1"/>
+          </a:lnRef>
+          <a:fillRef idx="3">
+            <a:schemeClr val="accent1"/>
+          </a:fillRef>
+          <a:effectRef idx="2">
+            <a:schemeClr val="accent1"/>
+          </a:effectRef>
+          <a:fontRef idx="minor">
+            <a:schemeClr val="lt1"/>
+          </a:fontRef>
+        </p:style>
+        <p:txBody>
+          <a:bodyPr rtlCol="0" anchor="ctr"/>
+          <a:lstStyle/>
+          <a:p>
+            <a:pPr algn="ctr"/>
+          </a:p>
+        </p:txBody>
+      </p:sp>
+      <p:sp>
+        <p:nvSpPr>
+          <p:cNvPr id="3" name="TextBox 2"/>
+          <p:cNvSpPr txBox="1"/>
+          <p:nvPr/>
+        </p:nvSpPr>
+        <p:spPr>
+          <a:xfrm>
+            <a:off x="457200" y="228600"/>
+            <a:ext cx="8229600" cy="548640"/>
+          </a:xfrm>
+          <a:prstGeom prst="rect">
+            <a:avLst/>
+          </a:prstGeom>
+          <a:noFill/>
+        </p:spPr>
+        <p:txBody>
+          <a:bodyPr wrap="none">
+            <a:spAutoFit/>
+          </a:bodyPr>
+          <a:lstStyle/>
+          <a:p>
+            <a:pPr>
+              <a:defRPr sz="2800" b="1">
+                <a:solidFill>
+                  <a:srgbClr val="FFFFFF"/>
+                </a:solidFill>
+              </a:defRPr>
+            </a:pPr>
+            <a:r>
+              <a:t>부정 리뷰 핵심 분석</a:t>
+            </a:r>
+          </a:p>
+        </p:txBody>
+      </p:sp>
+      <p:sp>
+        <p:nvSpPr>
+          <p:cNvPr id="4" name="TextBox 3"/>
+          <p:cNvSpPr txBox="1"/>
+          <p:nvPr/>
+        </p:nvSpPr>
+        <p:spPr>
+          <a:xfrm>
+            <a:off x="457200" y="1188720"/>
+            <a:ext cx="8229600" cy="5029200"/>
+          </a:xfrm>
+          <a:prstGeom prst="rect">
+            <a:avLst/>
+          </a:prstGeom>
+          <a:noFill/>
+        </p:spPr>
+        <p:txBody>
+          <a:bodyPr wrap="square">
+            <a:spAutoFit/>
+          </a:bodyPr>
+          <a:lstStyle/>
+          <a:p>
+            <a:pPr>
+              <a:spcAft>
+                <a:spcPts val="800"/>
+              </a:spcAft>
+              <a:defRPr sz="1600">
+                <a:solidFill>
+                  <a:srgbClr val="1A365D"/>
+                </a:solidFill>
+              </a:defRPr>
+            </a:pPr>
+            <a:r>
+              <a:t>▶ 부정률 높은 브랜드</a:t>
+            </a:r>
+          </a:p>
+          <a:p>
+            <a:pPr>
+              <a:spcAft>
+                <a:spcPts val="800"/>
+              </a:spcAft>
+              <a:defRPr sz="1600" b="1">
+                <a:solidFill>
+                  <a:srgbClr val="4A90D9"/>
+                </a:solidFill>
+              </a:defRPr>
+            </a:pPr>
+            <a:r>
+              <a:t>   - 브링그린 (2.8%): 트러블/자극 불만 집중</a:t>
+            </a:r>
+          </a:p>
+          <a:p>
+            <a:pPr>
+              <a:spcAft>
+                <a:spcPts val="800"/>
+              </a:spcAft>
+              <a:defRPr sz="1600" b="1">
+                <a:solidFill>
+                  <a:srgbClr val="4A90D9"/>
+                </a:solidFill>
+              </a:defRPr>
+            </a:pPr>
+            <a:r>
+              <a:t>   - 아누아 (2.6%): 트러블 + 가격 불만 복합</a:t>
+            </a:r>
+          </a:p>
+          <a:p>
+            <a:pPr>
+              <a:spcAft>
+                <a:spcPts val="800"/>
+              </a:spcAft>
+              <a:defRPr sz="1600">
+                <a:solidFill>
+                  <a:srgbClr val="1A365D"/>
+                </a:solidFill>
+              </a:defRPr>
+            </a:pPr>
+          </a:p>
+          <a:p>
+            <a:pPr>
+              <a:spcAft>
+                <a:spcPts val="800"/>
+              </a:spcAft>
+              <a:defRPr sz="1600">
+                <a:solidFill>
+                  <a:srgbClr val="1A365D"/>
+                </a:solidFill>
+              </a:defRPr>
+            </a:pPr>
+            <a:r>
+              <a:t>▶ 부정률 낮은 브랜드</a:t>
+            </a:r>
+          </a:p>
+          <a:p>
+            <a:pPr>
+              <a:spcAft>
+                <a:spcPts val="800"/>
+              </a:spcAft>
+              <a:defRPr sz="1600" b="1">
+                <a:solidFill>
+                  <a:srgbClr val="4A90D9"/>
+                </a:solidFill>
+              </a:defRPr>
+            </a:pPr>
+            <a:r>
+              <a:t>   - 에스네이처 (1.3%): 안정적 품질 인식</a:t>
+            </a:r>
+          </a:p>
+          <a:p>
+            <a:pPr>
+              <a:spcAft>
+                <a:spcPts val="800"/>
+              </a:spcAft>
+              <a:defRPr sz="1600" b="1">
+                <a:solidFill>
+                  <a:srgbClr val="4A90D9"/>
+                </a:solidFill>
+              </a:defRPr>
+            </a:pPr>
+            <a:r>
+              <a:t>   - 독도토너/토니모리 (1.5%): 기대치 충족</a:t>
+            </a:r>
+          </a:p>
+          <a:p>
+            <a:pPr>
+              <a:spcAft>
+                <a:spcPts val="800"/>
+              </a:spcAft>
+              <a:defRPr sz="1600">
+                <a:solidFill>
+                  <a:srgbClr val="1A365D"/>
+                </a:solidFill>
+              </a:defRPr>
+            </a:pPr>
+          </a:p>
+          <a:p>
+            <a:pPr>
+              <a:spcAft>
+                <a:spcPts val="800"/>
+              </a:spcAft>
+              <a:defRPr sz="1600">
+                <a:solidFill>
+                  <a:srgbClr val="1A365D"/>
+                </a:solidFill>
+              </a:defRPr>
+            </a:pPr>
+            <a:r>
+              <a:t>▶ 공통 불만 패턴</a:t>
+            </a:r>
+          </a:p>
+          <a:p>
+            <a:pPr>
+              <a:spcAft>
+                <a:spcPts val="800"/>
+              </a:spcAft>
+              <a:defRPr sz="1600" b="1">
+                <a:solidFill>
+                  <a:srgbClr val="4A90D9"/>
+                </a:solidFill>
+              </a:defRPr>
+            </a:pPr>
+            <a:r>
+              <a:t>   - 건조/보습부족: 전 브랜드 공통 (특히 토리든)</a:t>
+            </a:r>
+          </a:p>
+          <a:p>
+            <a:pPr>
+              <a:spcAft>
+                <a:spcPts val="800"/>
+              </a:spcAft>
+              <a:defRPr sz="1600" b="1">
+                <a:solidFill>
+                  <a:srgbClr val="4A90D9"/>
+                </a:solidFill>
+              </a:defRPr>
+            </a:pPr>
+            <a:r>
+              <a:t>   - 트러블/뾰루지: 브링그린, 아누아에서 심각</a:t>
+            </a:r>
+          </a:p>
+          <a:p>
+            <a:pPr>
+              <a:spcAft>
+                <a:spcPts val="800"/>
+              </a:spcAft>
+              <a:defRPr sz="1600" b="1">
+                <a:solidFill>
+                  <a:srgbClr val="4A90D9"/>
+                </a:solidFill>
+              </a:defRPr>
+            </a:pPr>
+            <a:r>
+              <a:t>   - 자극/따가움: 민감성 피부 불만 집중</a:t>
+            </a:r>
+          </a:p>
+        </p:txBody>
+      </p:sp>
+    </p:spTree>
+  </p:cSld>
+  <p:clrMapOvr>
+    <a:masterClrMapping/>
+  </p:clrMapOvr>
+</p:sld>
+</file>
+
+<file path=ppt/slides/slide28.xml><?xml version="1.0" encoding="utf-8"?>
+<p:sld xmlns:a="http://schemas.openxmlformats.org/drawingml/2006/main" xmlns:p="http://schemas.openxmlformats.org/presentationml/2006/main" xmlns:r="http://schemas.openxmlformats.org/officeDocument/2006/relationships">
+  <p:cSld>
+    <p:spTree>
+      <p:nvGrpSpPr>
+        <p:cNvPr id="1" name=""/>
+        <p:cNvGrpSpPr/>
+        <p:nvPr/>
+      </p:nvGrpSpPr>
+      <p:grpSpPr/>
+      <p:sp>
+        <p:nvSpPr>
+          <p:cNvPr id="2" name="Rectangle 1"/>
+          <p:cNvSpPr/>
+          <p:nvPr/>
+        </p:nvSpPr>
+        <p:spPr>
+          <a:xfrm>
+            <a:off x="0" y="0"/>
+            <a:ext cx="9144000" cy="914400"/>
+          </a:xfrm>
+          <a:prstGeom prst="rect">
+            <a:avLst/>
+          </a:prstGeom>
+          <a:solidFill>
+            <a:srgbClr val="1A365D"/>
+          </a:solidFill>
+          <a:ln>
+            <a:noFill/>
+          </a:ln>
+        </p:spPr>
+        <p:style>
+          <a:lnRef idx="1">
+            <a:schemeClr val="accent1"/>
+          </a:lnRef>
+          <a:fillRef idx="3">
+            <a:schemeClr val="accent1"/>
+          </a:fillRef>
+          <a:effectRef idx="2">
+            <a:schemeClr val="accent1"/>
+          </a:effectRef>
+          <a:fontRef idx="minor">
+            <a:schemeClr val="lt1"/>
+          </a:fontRef>
+        </p:style>
+        <p:txBody>
+          <a:bodyPr rtlCol="0" anchor="ctr"/>
+          <a:lstStyle/>
+          <a:p>
+            <a:pPr algn="ctr"/>
+          </a:p>
+        </p:txBody>
+      </p:sp>
+      <p:sp>
+        <p:nvSpPr>
+          <p:cNvPr id="3" name="TextBox 2"/>
+          <p:cNvSpPr txBox="1"/>
+          <p:nvPr/>
+        </p:nvSpPr>
+        <p:spPr>
+          <a:xfrm>
+            <a:off x="457200" y="228600"/>
+            <a:ext cx="8229600" cy="548640"/>
+          </a:xfrm>
+          <a:prstGeom prst="rect">
+            <a:avLst/>
+          </a:prstGeom>
+          <a:noFill/>
+        </p:spPr>
+        <p:txBody>
+          <a:bodyPr wrap="none">
+            <a:spAutoFit/>
+          </a:bodyPr>
+          <a:lstStyle/>
+          <a:p>
+            <a:pPr>
+              <a:defRPr sz="2800" b="1">
+                <a:solidFill>
+                  <a:srgbClr val="FFFFFF"/>
+                </a:solidFill>
+              </a:defRPr>
+            </a:pPr>
+            <a:r>
+              <a:t>토리든 부정 리뷰 분석 (199건, 1.9%)</a:t>
+            </a:r>
+          </a:p>
+        </p:txBody>
+      </p:sp>
+      <p:sp>
+        <p:nvSpPr>
+          <p:cNvPr id="4" name="TextBox 3"/>
+          <p:cNvSpPr txBox="1"/>
+          <p:nvPr/>
+        </p:nvSpPr>
+        <p:spPr>
+          <a:xfrm>
+            <a:off x="457200" y="1188720"/>
+            <a:ext cx="8229600" cy="5029200"/>
+          </a:xfrm>
+          <a:prstGeom prst="rect">
+            <a:avLst/>
+          </a:prstGeom>
+          <a:noFill/>
+        </p:spPr>
+        <p:txBody>
+          <a:bodyPr wrap="square">
+            <a:spAutoFit/>
+          </a:bodyPr>
+          <a:lstStyle/>
+          <a:p>
+            <a:pPr>
+              <a:spcAft>
+                <a:spcPts val="800"/>
+              </a:spcAft>
+              <a:defRPr sz="1600">
+                <a:solidFill>
+                  <a:srgbClr val="1A365D"/>
+                </a:solidFill>
+              </a:defRPr>
+            </a:pPr>
+            <a:r>
+              <a:t>▶ 포지셔닝 인식</a:t>
+            </a:r>
+          </a:p>
+          <a:p>
+            <a:pPr>
+              <a:spcAft>
+                <a:spcPts val="800"/>
+              </a:spcAft>
+              <a:defRPr sz="1600">
+                <a:solidFill>
+                  <a:srgbClr val="1A365D"/>
+                </a:solidFill>
+              </a:defRPr>
+            </a:pPr>
+            <a:r>
+              <a:t>   - 보습/촉촉함 기대가 높은 브랜드</a:t>
+            </a:r>
+          </a:p>
+          <a:p>
+            <a:pPr>
+              <a:spcAft>
+                <a:spcPts val="800"/>
+              </a:spcAft>
+              <a:defRPr sz="1600">
+                <a:solidFill>
+                  <a:srgbClr val="1A365D"/>
+                </a:solidFill>
+              </a:defRPr>
+            </a:pPr>
+            <a:r>
+              <a:t>   - 대용량 가성비 토너로 인식</a:t>
+            </a:r>
+          </a:p>
+          <a:p>
+            <a:pPr>
+              <a:spcAft>
+                <a:spcPts val="800"/>
+              </a:spcAft>
+              <a:defRPr sz="1600">
+                <a:solidFill>
+                  <a:srgbClr val="1A365D"/>
+                </a:solidFill>
+              </a:defRPr>
+            </a:pPr>
+          </a:p>
+          <a:p>
+            <a:pPr>
+              <a:spcAft>
+                <a:spcPts val="800"/>
+              </a:spcAft>
+              <a:defRPr sz="1600">
+                <a:solidFill>
+                  <a:srgbClr val="1A365D"/>
+                </a:solidFill>
+              </a:defRPr>
+            </a:pPr>
+            <a:r>
+              <a:t>▶ 주요 불만 사항</a:t>
+            </a:r>
+          </a:p>
+          <a:p>
+            <a:pPr>
+              <a:spcAft>
+                <a:spcPts val="800"/>
+              </a:spcAft>
+              <a:defRPr sz="1600" b="1">
+                <a:solidFill>
+                  <a:srgbClr val="4A90D9"/>
+                </a:solidFill>
+              </a:defRPr>
+            </a:pPr>
+            <a:r>
+              <a:t>   1. 건조/보습부족 (46건): '생각보다 건조', '속건조'</a:t>
+            </a:r>
+          </a:p>
+          <a:p>
+            <a:pPr>
+              <a:spcAft>
+                <a:spcPts val="800"/>
+              </a:spcAft>
+              <a:defRPr sz="1600" b="1">
+                <a:solidFill>
+                  <a:srgbClr val="4A90D9"/>
+                </a:solidFill>
+              </a:defRPr>
+            </a:pPr>
+            <a:r>
+              <a:t>   2. 트러블/뾰루지 (24건): '피부가 뒤집어짐'</a:t>
+            </a:r>
+          </a:p>
+          <a:p>
+            <a:pPr>
+              <a:spcAft>
+                <a:spcPts val="800"/>
+              </a:spcAft>
+              <a:defRPr sz="1600" b="1">
+                <a:solidFill>
+                  <a:srgbClr val="4A90D9"/>
+                </a:solidFill>
+              </a:defRPr>
+            </a:pPr>
+            <a:r>
+              <a:t>   3. 효과 부족 (11건): '기대한 효과 없음'</a:t>
+            </a:r>
+          </a:p>
+          <a:p>
+            <a:pPr>
+              <a:spcAft>
+                <a:spcPts val="800"/>
+              </a:spcAft>
+              <a:defRPr sz="1600">
+                <a:solidFill>
+                  <a:srgbClr val="1A365D"/>
+                </a:solidFill>
+              </a:defRPr>
+            </a:pPr>
+          </a:p>
+          <a:p>
+            <a:pPr>
+              <a:spcAft>
+                <a:spcPts val="800"/>
+              </a:spcAft>
+              <a:defRPr sz="1600">
+                <a:solidFill>
+                  <a:srgbClr val="1A365D"/>
+                </a:solidFill>
+              </a:defRPr>
+            </a:pPr>
+            <a:r>
+              <a:t>▶ 개선 포인트</a:t>
+            </a:r>
+          </a:p>
+          <a:p>
+            <a:pPr>
+              <a:spcAft>
+                <a:spcPts val="800"/>
+              </a:spcAft>
+              <a:defRPr sz="1600" b="1">
+                <a:solidFill>
+                  <a:srgbClr val="4A90D9"/>
+                </a:solidFill>
+              </a:defRPr>
+            </a:pPr>
+            <a:r>
+              <a:t>   → 보습 지속력 강화, 건성 피부용 라인 검토</a:t>
+            </a:r>
+          </a:p>
+        </p:txBody>
+      </p:sp>
+    </p:spTree>
+  </p:cSld>
+  <p:clrMapOvr>
+    <a:masterClrMapping/>
+  </p:clrMapOvr>
+</p:sld>
+</file>
+
+<file path=ppt/slides/slide29.xml><?xml version="1.0" encoding="utf-8"?>
+<p:sld xmlns:a="http://schemas.openxmlformats.org/drawingml/2006/main" xmlns:p="http://schemas.openxmlformats.org/presentationml/2006/main" xmlns:r="http://schemas.openxmlformats.org/officeDocument/2006/relationships">
+  <p:cSld>
+    <p:spTree>
+      <p:nvGrpSpPr>
+        <p:cNvPr id="1" name=""/>
+        <p:cNvGrpSpPr/>
+        <p:nvPr/>
+      </p:nvGrpSpPr>
+      <p:grpSpPr/>
+      <p:sp>
+        <p:nvSpPr>
+          <p:cNvPr id="2" name="Rectangle 1"/>
+          <p:cNvSpPr/>
+          <p:nvPr/>
+        </p:nvSpPr>
+        <p:spPr>
+          <a:xfrm>
+            <a:off x="0" y="0"/>
+            <a:ext cx="9144000" cy="914400"/>
+          </a:xfrm>
+          <a:prstGeom prst="rect">
+            <a:avLst/>
+          </a:prstGeom>
+          <a:solidFill>
+            <a:srgbClr val="1A365D"/>
+          </a:solidFill>
+          <a:ln>
+            <a:noFill/>
+          </a:ln>
+        </p:spPr>
+        <p:style>
+          <a:lnRef idx="1">
+            <a:schemeClr val="accent1"/>
+          </a:lnRef>
+          <a:fillRef idx="3">
+            <a:schemeClr val="accent1"/>
+          </a:fillRef>
+          <a:effectRef idx="2">
+            <a:schemeClr val="accent1"/>
+          </a:effectRef>
+          <a:fontRef idx="minor">
+            <a:schemeClr val="lt1"/>
+          </a:fontRef>
+        </p:style>
+        <p:txBody>
+          <a:bodyPr rtlCol="0" anchor="ctr"/>
+          <a:lstStyle/>
+          <a:p>
+            <a:pPr algn="ctr"/>
+          </a:p>
+        </p:txBody>
+      </p:sp>
+      <p:sp>
+        <p:nvSpPr>
+          <p:cNvPr id="3" name="TextBox 2"/>
+          <p:cNvSpPr txBox="1"/>
+          <p:nvPr/>
+        </p:nvSpPr>
+        <p:spPr>
+          <a:xfrm>
+            <a:off x="457200" y="228600"/>
+            <a:ext cx="8229600" cy="548640"/>
+          </a:xfrm>
+          <a:prstGeom prst="rect">
+            <a:avLst/>
+          </a:prstGeom>
+          <a:noFill/>
+        </p:spPr>
+        <p:txBody>
+          <a:bodyPr wrap="none">
+            <a:spAutoFit/>
+          </a:bodyPr>
+          <a:lstStyle/>
+          <a:p>
+            <a:pPr>
+              <a:defRPr sz="2800" b="1">
+                <a:solidFill>
+                  <a:srgbClr val="FFFFFF"/>
+                </a:solidFill>
+              </a:defRPr>
+            </a:pPr>
+            <a:r>
+              <a:t>브링그린 부정 리뷰 분석 (176건, 2.8%)</a:t>
+            </a:r>
+          </a:p>
+        </p:txBody>
+      </p:sp>
+      <p:sp>
+        <p:nvSpPr>
+          <p:cNvPr id="4" name="TextBox 3"/>
+          <p:cNvSpPr txBox="1"/>
+          <p:nvPr/>
+        </p:nvSpPr>
+        <p:spPr>
+          <a:xfrm>
+            <a:off x="457200" y="1188720"/>
+            <a:ext cx="8229600" cy="5029200"/>
+          </a:xfrm>
+          <a:prstGeom prst="rect">
+            <a:avLst/>
+          </a:prstGeom>
+          <a:noFill/>
+        </p:spPr>
+        <p:txBody>
+          <a:bodyPr wrap="square">
+            <a:spAutoFit/>
+          </a:bodyPr>
+          <a:lstStyle/>
+          <a:p>
+            <a:pPr>
+              <a:spcAft>
+                <a:spcPts val="800"/>
+              </a:spcAft>
+              <a:defRPr sz="1600">
+                <a:solidFill>
+                  <a:srgbClr val="1A365D"/>
+                </a:solidFill>
+              </a:defRPr>
+            </a:pPr>
+            <a:r>
+              <a:t>▶ 포지셔닝 인식</a:t>
+            </a:r>
+          </a:p>
+          <a:p>
+            <a:pPr>
+              <a:spcAft>
+                <a:spcPts val="800"/>
+              </a:spcAft>
+              <a:defRPr sz="1600">
+                <a:solidFill>
+                  <a:srgbClr val="1A365D"/>
+                </a:solidFill>
+              </a:defRPr>
+            </a:pPr>
+            <a:r>
+              <a:t>   - 진정/트러블 케어 전문 브랜드</a:t>
+            </a:r>
+          </a:p>
+          <a:p>
+            <a:pPr>
+              <a:spcAft>
+                <a:spcPts val="800"/>
+              </a:spcAft>
+              <a:defRPr sz="1600">
+                <a:solidFill>
+                  <a:srgbClr val="1A365D"/>
+                </a:solidFill>
+              </a:defRPr>
+            </a:pPr>
+            <a:r>
+              <a:t>   - 민감성 피부용으로 인식</a:t>
+            </a:r>
+          </a:p>
+          <a:p>
+            <a:pPr>
+              <a:spcAft>
+                <a:spcPts val="800"/>
+              </a:spcAft>
+              <a:defRPr sz="1600">
+                <a:solidFill>
+                  <a:srgbClr val="1A365D"/>
+                </a:solidFill>
+              </a:defRPr>
+            </a:pPr>
+          </a:p>
+          <a:p>
+            <a:pPr>
+              <a:spcAft>
+                <a:spcPts val="800"/>
+              </a:spcAft>
+              <a:defRPr sz="1600">
+                <a:solidFill>
+                  <a:srgbClr val="1A365D"/>
+                </a:solidFill>
+              </a:defRPr>
+            </a:pPr>
+            <a:r>
+              <a:t>▶ 주요 불만 사항</a:t>
+            </a:r>
+          </a:p>
+          <a:p>
+            <a:pPr>
+              <a:spcAft>
+                <a:spcPts val="800"/>
+              </a:spcAft>
+              <a:defRPr sz="1600" b="1">
+                <a:solidFill>
+                  <a:srgbClr val="4A90D9"/>
+                </a:solidFill>
+              </a:defRPr>
+            </a:pPr>
+            <a:r>
+              <a:t>   1. 트러블/뾰루지 (32건): '오히려 트러블 발생'</a:t>
+            </a:r>
+          </a:p>
+          <a:p>
+            <a:pPr>
+              <a:spcAft>
+                <a:spcPts val="800"/>
+              </a:spcAft>
+              <a:defRPr sz="1600" b="1">
+                <a:solidFill>
+                  <a:srgbClr val="4A90D9"/>
+                </a:solidFill>
+              </a:defRPr>
+            </a:pPr>
+            <a:r>
+              <a:t>   2. 자극/따가움 (24건): '민감해서 따가움'</a:t>
+            </a:r>
+          </a:p>
+          <a:p>
+            <a:pPr>
+              <a:spcAft>
+                <a:spcPts val="800"/>
+              </a:spcAft>
+              <a:defRPr sz="1600" b="1">
+                <a:solidFill>
+                  <a:srgbClr val="4A90D9"/>
+                </a:solidFill>
+              </a:defRPr>
+            </a:pPr>
+            <a:r>
+              <a:t>   3. 건조/보습부족 (18건): '진정은 되는데 건조'</a:t>
+            </a:r>
+          </a:p>
+          <a:p>
+            <a:pPr>
+              <a:spcAft>
+                <a:spcPts val="800"/>
+              </a:spcAft>
+              <a:defRPr sz="1600">
+                <a:solidFill>
+                  <a:srgbClr val="1A365D"/>
+                </a:solidFill>
+              </a:defRPr>
+            </a:pPr>
+          </a:p>
+          <a:p>
+            <a:pPr>
+              <a:spcAft>
+                <a:spcPts val="800"/>
+              </a:spcAft>
+              <a:defRPr sz="1600">
+                <a:solidFill>
+                  <a:srgbClr val="1A365D"/>
+                </a:solidFill>
+              </a:defRPr>
+            </a:pPr>
+            <a:r>
+              <a:t>▶ 개선 포인트</a:t>
+            </a:r>
+          </a:p>
+          <a:p>
+            <a:pPr>
+              <a:spcAft>
+                <a:spcPts val="800"/>
+              </a:spcAft>
+              <a:defRPr sz="1600" b="1">
+                <a:solidFill>
+                  <a:srgbClr val="4A90D9"/>
+                </a:solidFill>
+              </a:defRPr>
+            </a:pPr>
+            <a:r>
+              <a:t>   → 민감성 피부 테스트 강화, 성분 재검토</a:t>
+            </a:r>
+          </a:p>
+        </p:txBody>
+      </p:sp>
+    </p:spTree>
+  </p:cSld>
+  <p:clrMapOvr>
+    <a:masterClrMapping/>
+  </p:clrMapOvr>
+</p:sld>
+</file>
+
+<file path=ppt/slides/slide3.xml><?xml version="1.0" encoding="utf-8"?>
+<p:sld xmlns:a="http://schemas.openxmlformats.org/drawingml/2006/main" xmlns:p="http://schemas.openxmlformats.org/presentationml/2006/main" xmlns:r="http://schemas.openxmlformats.org/officeDocument/2006/relationships">
+  <p:cSld>
+    <p:spTree>
+      <p:nvGrpSpPr>
+        <p:cNvPr id="1" name=""/>
+        <p:cNvGrpSpPr/>
+        <p:nvPr/>
+      </p:nvGrpSpPr>
+      <p:grpSpPr/>
+      <p:sp>
+        <p:nvSpPr>
+          <p:cNvPr id="2" name="Rectangle 1"/>
+          <p:cNvSpPr/>
+          <p:nvPr/>
+        </p:nvSpPr>
+        <p:spPr>
+          <a:xfrm>
+            <a:off x="0" y="0"/>
+            <a:ext cx="9144000" cy="914400"/>
+          </a:xfrm>
+          <a:prstGeom prst="rect">
+            <a:avLst/>
+          </a:prstGeom>
+          <a:solidFill>
+            <a:srgbClr val="1A365D"/>
+          </a:solidFill>
+          <a:ln>
+            <a:noFill/>
+          </a:ln>
+        </p:spPr>
+        <p:style>
+          <a:lnRef idx="1">
+            <a:schemeClr val="accent1"/>
+          </a:lnRef>
+          <a:fillRef idx="3">
+            <a:schemeClr val="accent1"/>
+          </a:fillRef>
+          <a:effectRef idx="2">
+            <a:schemeClr val="accent1"/>
+          </a:effectRef>
+          <a:fontRef idx="minor">
+            <a:schemeClr val="lt1"/>
+          </a:fontRef>
+        </p:style>
+        <p:txBody>
+          <a:bodyPr rtlCol="0" anchor="ctr"/>
+          <a:lstStyle/>
+          <a:p>
+            <a:pPr algn="ctr"/>
+          </a:p>
+        </p:txBody>
+      </p:sp>
+      <p:sp>
+        <p:nvSpPr>
+          <p:cNvPr id="3" name="TextBox 2"/>
+          <p:cNvSpPr txBox="1"/>
+          <p:nvPr/>
+        </p:nvSpPr>
+        <p:spPr>
+          <a:xfrm>
+            <a:off x="457200" y="228600"/>
+            <a:ext cx="8229600" cy="548640"/>
+          </a:xfrm>
+          <a:prstGeom prst="rect">
+            <a:avLst/>
+          </a:prstGeom>
+          <a:noFill/>
+        </p:spPr>
+        <p:txBody>
+          <a:bodyPr wrap="none">
+            <a:spAutoFit/>
+          </a:bodyPr>
+          <a:lstStyle/>
+          <a:p>
+            <a:pPr>
+              <a:defRPr sz="2800" b="1">
+                <a:solidFill>
+                  <a:srgbClr val="FFFFFF"/>
+                </a:solidFill>
+              </a:defRPr>
+            </a:pPr>
+            <a:r>
+              <a:t>분석 개요</a:t>
+            </a:r>
+          </a:p>
+        </p:txBody>
+      </p:sp>
+      <p:sp>
+        <p:nvSpPr>
+          <p:cNvPr id="4" name="TextBox 3"/>
+          <p:cNvSpPr txBox="1"/>
+          <p:nvPr/>
+        </p:nvSpPr>
+        <p:spPr>
+          <a:xfrm>
+            <a:off x="457200" y="1188720"/>
+            <a:ext cx="8229600" cy="5029200"/>
+          </a:xfrm>
+          <a:prstGeom prst="rect">
+            <a:avLst/>
+          </a:prstGeom>
+          <a:noFill/>
+        </p:spPr>
+        <p:txBody>
+          <a:bodyPr wrap="square">
+            <a:spAutoFit/>
+          </a:bodyPr>
+          <a:lstStyle/>
+          <a:p>
+            <a:pPr>
+              <a:spcAft>
+                <a:spcPts val="800"/>
+              </a:spcAft>
+              <a:defRPr sz="1600">
+                <a:solidFill>
+                  <a:srgbClr val="1A365D"/>
+                </a:solidFill>
+              </a:defRPr>
+            </a:pPr>
+            <a:r>
+              <a:t>▶ 분석 대상: 7개 토너 브랜드, 총 33,908건 리뷰</a:t>
+            </a:r>
+          </a:p>
+          <a:p>
+            <a:pPr>
+              <a:spcAft>
+                <a:spcPts val="800"/>
+              </a:spcAft>
+              <a:defRPr sz="1600">
+                <a:solidFill>
+                  <a:srgbClr val="1A365D"/>
+                </a:solidFill>
+              </a:defRPr>
+            </a:pPr>
+            <a:r>
+              <a:t>▶ 분석 기간: 2025.02 ~ 2026.01 (12개월)</a:t>
+            </a:r>
+          </a:p>
+          <a:p>
+            <a:pPr>
+              <a:spcAft>
+                <a:spcPts val="800"/>
+              </a:spcAft>
+              <a:defRPr sz="1600">
+                <a:solidFill>
+                  <a:srgbClr val="1A365D"/>
+                </a:solidFill>
+              </a:defRPr>
+            </a:pPr>
+            <a:r>
+              <a:t>▶ 플랫폼: 올리브영 27,745건 (82%) / 무신사 6,163건 (18%)</a:t>
+            </a:r>
+          </a:p>
+          <a:p>
+            <a:pPr>
+              <a:spcAft>
+                <a:spcPts val="800"/>
+              </a:spcAft>
+              <a:defRPr sz="1600">
+                <a:solidFill>
+                  <a:srgbClr val="1A365D"/>
+                </a:solidFill>
+              </a:defRPr>
+            </a:pPr>
+          </a:p>
+          <a:p>
+            <a:pPr>
+              <a:spcAft>
+                <a:spcPts val="800"/>
+              </a:spcAft>
+              <a:defRPr sz="1600" b="1">
+                <a:solidFill>
+                  <a:srgbClr val="4A90D9"/>
+                </a:solidFill>
+              </a:defRPr>
+            </a:pPr>
+            <a:r>
+              <a:t>▶ 전체 긍정률: 90.8% (부정률 2.0%)</a:t>
+            </a:r>
+          </a:p>
+          <a:p>
+            <a:pPr>
+              <a:spcAft>
+                <a:spcPts val="800"/>
+              </a:spcAft>
+              <a:defRPr sz="1600" b="1">
+                <a:solidFill>
+                  <a:srgbClr val="4A90D9"/>
+                </a:solidFill>
+              </a:defRPr>
+            </a:pPr>
+            <a:r>
+              <a:t>▶ 긍정률 1위: 토니모리 (93.5%)</a:t>
+            </a:r>
+          </a:p>
+          <a:p>
+            <a:pPr>
+              <a:spcAft>
+                <a:spcPts val="800"/>
+              </a:spcAft>
+              <a:defRPr sz="1600" b="1">
+                <a:solidFill>
+                  <a:srgbClr val="4A90D9"/>
+                </a:solidFill>
+              </a:defRPr>
+            </a:pPr>
+            <a:r>
+              <a:t>▶ 가장 많은 Pain Point: 건조/보습부족 (463건)</a:t>
+            </a:r>
+          </a:p>
+          <a:p>
+            <a:pPr>
+              <a:spcAft>
+                <a:spcPts val="800"/>
+              </a:spcAft>
+              <a:defRPr sz="1600" b="1">
+                <a:solidFill>
+                  <a:srgbClr val="4A90D9"/>
+                </a:solidFill>
+              </a:defRPr>
+            </a:pPr>
+            <a:r>
+              <a:t>▶ 가장 많은 Positive Point: 순함/저자극 (5,495건)</a:t>
+            </a:r>
+          </a:p>
+        </p:txBody>
+      </p:sp>
+    </p:spTree>
+  </p:cSld>
+  <p:clrMapOvr>
+    <a:masterClrMapping/>
+  </p:clrMapOvr>
+</p:sld>
+</file>
+
+<file path=ppt/slides/slide30.xml><?xml version="1.0" encoding="utf-8"?>
+<p:sld xmlns:a="http://schemas.openxmlformats.org/drawingml/2006/main" xmlns:p="http://schemas.openxmlformats.org/presentationml/2006/main" xmlns:r="http://schemas.openxmlformats.org/officeDocument/2006/relationships">
+  <p:cSld>
+    <p:spTree>
+      <p:nvGrpSpPr>
+        <p:cNvPr id="1" name=""/>
+        <p:cNvGrpSpPr/>
+        <p:nvPr/>
+      </p:nvGrpSpPr>
+      <p:grpSpPr/>
+      <p:sp>
+        <p:nvSpPr>
+          <p:cNvPr id="2" name="Rectangle 1"/>
+          <p:cNvSpPr/>
+          <p:nvPr/>
+        </p:nvSpPr>
+        <p:spPr>
+          <a:xfrm>
+            <a:off x="0" y="0"/>
+            <a:ext cx="9144000" cy="914400"/>
+          </a:xfrm>
+          <a:prstGeom prst="rect">
+            <a:avLst/>
+          </a:prstGeom>
+          <a:solidFill>
+            <a:srgbClr val="1A365D"/>
+          </a:solidFill>
+          <a:ln>
+            <a:noFill/>
+          </a:ln>
+        </p:spPr>
+        <p:style>
+          <a:lnRef idx="1">
+            <a:schemeClr val="accent1"/>
+          </a:lnRef>
+          <a:fillRef idx="3">
+            <a:schemeClr val="accent1"/>
+          </a:fillRef>
+          <a:effectRef idx="2">
+            <a:schemeClr val="accent1"/>
+          </a:effectRef>
+          <a:fontRef idx="minor">
+            <a:schemeClr val="lt1"/>
+          </a:fontRef>
+        </p:style>
+        <p:txBody>
+          <a:bodyPr rtlCol="0" anchor="ctr"/>
+          <a:lstStyle/>
+          <a:p>
+            <a:pPr algn="ctr"/>
+          </a:p>
+        </p:txBody>
+      </p:sp>
+      <p:sp>
+        <p:nvSpPr>
+          <p:cNvPr id="3" name="TextBox 2"/>
+          <p:cNvSpPr txBox="1"/>
+          <p:nvPr/>
+        </p:nvSpPr>
+        <p:spPr>
+          <a:xfrm>
+            <a:off x="457200" y="228600"/>
+            <a:ext cx="8229600" cy="548640"/>
+          </a:xfrm>
+          <a:prstGeom prst="rect">
+            <a:avLst/>
+          </a:prstGeom>
+          <a:noFill/>
+        </p:spPr>
+        <p:txBody>
+          <a:bodyPr wrap="none">
+            <a:spAutoFit/>
+          </a:bodyPr>
+          <a:lstStyle/>
+          <a:p>
+            <a:pPr>
+              <a:defRPr sz="2800" b="1">
+                <a:solidFill>
+                  <a:srgbClr val="FFFFFF"/>
+                </a:solidFill>
+              </a:defRPr>
+            </a:pPr>
+            <a:r>
+              <a:t>아누아 부정 리뷰 분석 (92건, 2.6%)</a:t>
+            </a:r>
+          </a:p>
+        </p:txBody>
+      </p:sp>
+      <p:sp>
+        <p:nvSpPr>
+          <p:cNvPr id="4" name="TextBox 3"/>
+          <p:cNvSpPr txBox="1"/>
+          <p:nvPr/>
+        </p:nvSpPr>
+        <p:spPr>
+          <a:xfrm>
+            <a:off x="457200" y="1188720"/>
+            <a:ext cx="8229600" cy="5029200"/>
+          </a:xfrm>
+          <a:prstGeom prst="rect">
+            <a:avLst/>
+          </a:prstGeom>
+          <a:noFill/>
+        </p:spPr>
+        <p:txBody>
+          <a:bodyPr wrap="square">
+            <a:spAutoFit/>
+          </a:bodyPr>
+          <a:lstStyle/>
+          <a:p>
+            <a:pPr>
+              <a:spcAft>
+                <a:spcPts val="800"/>
+              </a:spcAft>
+              <a:defRPr sz="1600">
+                <a:solidFill>
+                  <a:srgbClr val="1A365D"/>
+                </a:solidFill>
+              </a:defRPr>
+            </a:pPr>
+            <a:r>
+              <a:t>▶ 포지셔닝 인식</a:t>
+            </a:r>
+          </a:p>
+          <a:p>
+            <a:pPr>
+              <a:spcAft>
+                <a:spcPts val="800"/>
+              </a:spcAft>
+              <a:defRPr sz="1600">
+                <a:solidFill>
+                  <a:srgbClr val="1A365D"/>
+                </a:solidFill>
+              </a:defRPr>
+            </a:pPr>
+            <a:r>
+              <a:t>   - 프리미엄 진정 토너</a:t>
+            </a:r>
+          </a:p>
+          <a:p>
+            <a:pPr>
+              <a:spcAft>
+                <a:spcPts val="800"/>
+              </a:spcAft>
+              <a:defRPr sz="1600">
+                <a:solidFill>
+                  <a:srgbClr val="1A365D"/>
+                </a:solidFill>
+              </a:defRPr>
+            </a:pPr>
+            <a:r>
+              <a:t>   - 어성초 진정 효과 기대</a:t>
+            </a:r>
+          </a:p>
+          <a:p>
+            <a:pPr>
+              <a:spcAft>
+                <a:spcPts val="800"/>
+              </a:spcAft>
+              <a:defRPr sz="1600">
+                <a:solidFill>
+                  <a:srgbClr val="1A365D"/>
+                </a:solidFill>
+              </a:defRPr>
+            </a:pPr>
+          </a:p>
+          <a:p>
+            <a:pPr>
+              <a:spcAft>
+                <a:spcPts val="800"/>
+              </a:spcAft>
+              <a:defRPr sz="1600">
+                <a:solidFill>
+                  <a:srgbClr val="1A365D"/>
+                </a:solidFill>
+              </a:defRPr>
+            </a:pPr>
+            <a:r>
+              <a:t>▶ 주요 불만 사항</a:t>
+            </a:r>
+          </a:p>
+          <a:p>
+            <a:pPr>
+              <a:spcAft>
+                <a:spcPts val="800"/>
+              </a:spcAft>
+              <a:defRPr sz="1600" b="1">
+                <a:solidFill>
+                  <a:srgbClr val="4A90D9"/>
+                </a:solidFill>
+              </a:defRPr>
+            </a:pPr>
+            <a:r>
+              <a:t>   1. 트러블/뾰루지 (16건): '트러블 개선 안됨'</a:t>
+            </a:r>
+          </a:p>
+          <a:p>
+            <a:pPr>
+              <a:spcAft>
+                <a:spcPts val="800"/>
+              </a:spcAft>
+              <a:defRPr sz="1600" b="1">
+                <a:solidFill>
+                  <a:srgbClr val="4A90D9"/>
+                </a:solidFill>
+              </a:defRPr>
+            </a:pPr>
+            <a:r>
+              <a:t>   2. 자극/따가움 (10건): '생각보다 자극적'</a:t>
+            </a:r>
+          </a:p>
+          <a:p>
+            <a:pPr>
+              <a:spcAft>
+                <a:spcPts val="800"/>
+              </a:spcAft>
+              <a:defRPr sz="1600" b="1">
+                <a:solidFill>
+                  <a:srgbClr val="4A90D9"/>
+                </a:solidFill>
+              </a:defRPr>
+            </a:pPr>
+            <a:r>
+              <a:t>   3. 가격 불만 (9건): '가격 대비 효과 의문'</a:t>
+            </a:r>
+          </a:p>
+          <a:p>
+            <a:pPr>
+              <a:spcAft>
+                <a:spcPts val="800"/>
+              </a:spcAft>
+              <a:defRPr sz="1600">
+                <a:solidFill>
+                  <a:srgbClr val="1A365D"/>
+                </a:solidFill>
+              </a:defRPr>
+            </a:pPr>
+          </a:p>
+          <a:p>
+            <a:pPr>
+              <a:spcAft>
+                <a:spcPts val="800"/>
+              </a:spcAft>
+              <a:defRPr sz="1600">
+                <a:solidFill>
+                  <a:srgbClr val="1A365D"/>
+                </a:solidFill>
+              </a:defRPr>
+            </a:pPr>
+            <a:r>
+              <a:t>▶ 개선 포인트</a:t>
+            </a:r>
+          </a:p>
+          <a:p>
+            <a:pPr>
+              <a:spcAft>
+                <a:spcPts val="800"/>
+              </a:spcAft>
+              <a:defRPr sz="1600" b="1">
+                <a:solidFill>
+                  <a:srgbClr val="4A90D9"/>
+                </a:solidFill>
+              </a:defRPr>
+            </a:pPr>
+            <a:r>
+              <a:t>   → 가격 대비 가치 커뮤니케이션 강화</a:t>
+            </a:r>
+          </a:p>
+        </p:txBody>
+      </p:sp>
+    </p:spTree>
+  </p:cSld>
+  <p:clrMapOvr>
+    <a:masterClrMapping/>
+  </p:clrMapOvr>
+</p:sld>
+</file>
+
+<file path=ppt/slides/slide31.xml><?xml version="1.0" encoding="utf-8"?>
+<p:sld xmlns:a="http://schemas.openxmlformats.org/drawingml/2006/main" xmlns:p="http://schemas.openxmlformats.org/presentationml/2006/main" xmlns:r="http://schemas.openxmlformats.org/officeDocument/2006/relationships">
+  <p:cSld>
+    <p:spTree>
+      <p:nvGrpSpPr>
+        <p:cNvPr id="1" name=""/>
+        <p:cNvGrpSpPr/>
+        <p:nvPr/>
+      </p:nvGrpSpPr>
+      <p:grpSpPr/>
+      <p:sp>
+        <p:nvSpPr>
+          <p:cNvPr id="2" name="Rectangle 1"/>
+          <p:cNvSpPr/>
+          <p:nvPr/>
+        </p:nvSpPr>
+        <p:spPr>
+          <a:xfrm>
+            <a:off x="0" y="2560320"/>
+            <a:ext cx="9144000" cy="1371600"/>
+          </a:xfrm>
+          <a:prstGeom prst="rect">
+            <a:avLst/>
+          </a:prstGeom>
+          <a:solidFill>
+            <a:srgbClr val="4A90D9"/>
+          </a:solidFill>
+          <a:ln>
+            <a:noFill/>
+          </a:ln>
+        </p:spPr>
+        <p:style>
+          <a:lnRef idx="1">
+            <a:schemeClr val="accent1"/>
+          </a:lnRef>
+          <a:fillRef idx="3">
+            <a:schemeClr val="accent1"/>
+          </a:fillRef>
+          <a:effectRef idx="2">
+            <a:schemeClr val="accent1"/>
+          </a:effectRef>
+          <a:fontRef idx="minor">
+            <a:schemeClr val="lt1"/>
+          </a:fontRef>
+        </p:style>
+        <p:txBody>
+          <a:bodyPr rtlCol="0" anchor="ctr"/>
+          <a:lstStyle/>
+          <a:p>
+            <a:pPr algn="ctr"/>
+          </a:p>
+        </p:txBody>
+      </p:sp>
+      <p:sp>
+        <p:nvSpPr>
+          <p:cNvPr id="3" name="TextBox 2"/>
+          <p:cNvSpPr txBox="1"/>
+          <p:nvPr/>
+        </p:nvSpPr>
+        <p:spPr>
+          <a:xfrm>
+            <a:off x="457200" y="2743200"/>
+            <a:ext cx="8229600" cy="914400"/>
+          </a:xfrm>
+          <a:prstGeom prst="rect">
+            <a:avLst/>
+          </a:prstGeom>
+          <a:noFill/>
+        </p:spPr>
+        <p:txBody>
+          <a:bodyPr wrap="none">
+            <a:spAutoFit/>
+          </a:bodyPr>
+          <a:lstStyle/>
+          <a:p>
+            <a:pPr algn="ctr">
+              <a:defRPr sz="3600" b="1">
+                <a:solidFill>
+                  <a:srgbClr val="FFFFFF"/>
+                </a:solidFill>
+              </a:defRPr>
+            </a:pPr>
+            <a:r>
+              <a:t>핵심 인사이트 &amp; 제언</a:t>
+            </a:r>
+          </a:p>
+        </p:txBody>
+      </p:sp>
+    </p:spTree>
+  </p:cSld>
+  <p:clrMapOvr>
+    <a:masterClrMapping/>
+  </p:clrMapOvr>
+</p:sld>
+</file>
+
+<file path=ppt/slides/slide32.xml><?xml version="1.0" encoding="utf-8"?>
 <p:sld xmlns:a="http://schemas.openxmlformats.org/drawingml/2006/main" xmlns:p="http://schemas.openxmlformats.org/presentationml/2006/main" xmlns:r="http://schemas.openxmlformats.org/officeDocument/2006/relationships">
   <p:cSld>
     <p:spTree>
@@ -7565,7 +10980,7 @@
               </a:defRPr>
             </a:pPr>
             <a:r>
-              <a:t>① 토리든: 점유율 1위(30%). '건조/보습부족'(163건) 불만 최다 → 보습력 강화 필요</a:t>
+              <a:t>① 토리든: 점유율 1위(30%). 부정 리뷰 중 '건조' 불만 최다 → 보습력 강화 필요</a:t>
             </a:r>
           </a:p>
         </p:txBody>
@@ -7645,7 +11060,7 @@
               </a:defRPr>
             </a:pPr>
             <a:r>
-              <a:t>② 브링그린: 진정 효과 강점. '자극/따가움'(93건) 불만 해소로 민감성 시장 확대</a:t>
+              <a:t>② 브링그린: 진정 효과 강점이나 '트러블/자극' 불만 → 민감성 테스트 강화</a:t>
             </a:r>
           </a:p>
         </p:txBody>
@@ -7725,7 +11140,7 @@
               </a:defRPr>
             </a:pPr>
             <a:r>
-              <a:t>③ 독도토너: '순함/저자극' 1위(1,062건). 저자극 포지셔닝 강화 기회</a:t>
+              <a:t>③ 독도토너: '순함/저자극' 강점 유지. 닦토 사용률 38%로 최고</a:t>
             </a:r>
           </a:p>
         </p:txBody>
@@ -7805,7 +11220,7 @@
               </a:defRPr>
             </a:pPr>
             <a:r>
-              <a:t>④ 아누아: '가격 불만'(35건) 1위. 프리미엄 가치 커뮤니케이션 재검토</a:t>
+              <a:t>④ 아누아: 트러블 케어 기대 불충족 + 가격 불만 → 효능/가치 재검토</a:t>
             </a:r>
           </a:p>
         </p:txBody>
@@ -7885,7 +11300,7 @@
               </a:defRPr>
             </a:pPr>
             <a:r>
-              <a:t>⑤ 토니모리: '가성비/저렴'(480건) 압도적 1위. 가성비 리더십 유지 전략</a:t>
+              <a:t>⑤ 토니모리: 가성비 리더. 부정률 1.5%로 안정적 품질 유지</a:t>
             </a:r>
           </a:p>
         </p:txBody>
@@ -7898,7 +11313,7 @@
 </p:sld>
 </file>
 
-<file path=ppt/slides/slide25.xml><?xml version="1.0" encoding="utf-8"?>
+<file path=ppt/slides/slide33.xml><?xml version="1.0" encoding="utf-8"?>
 <p:sld xmlns:a="http://schemas.openxmlformats.org/drawingml/2006/main" xmlns:p="http://schemas.openxmlformats.org/presentationml/2006/main" xmlns:r="http://schemas.openxmlformats.org/officeDocument/2006/relationships">
   <p:cSld>
     <p:spTree>
@@ -7981,7 +11396,7 @@
               </a:defRPr>
             </a:pPr>
             <a:r>
-              <a:t>💡 채널 &amp; 제품 제언</a:t>
+              <a:t>💡 제품 개선 제언</a:t>
             </a:r>
           </a:p>
         </p:txBody>
@@ -8061,7 +11476,7 @@
               </a:defRPr>
             </a:pPr>
             <a:r>
-              <a:t>① 무신사 채널: 긍정률 95.5%로 올리브영(89.7%) 대비 월등. 채널 확대 검토</a:t>
+              <a:t>① 공통 Pain Point: '건조/보습부족' 전 브랜드 1위 → 보습 지속력 강화</a:t>
             </a:r>
           </a:p>
         </p:txBody>
@@ -8141,7 +11556,7 @@
               </a:defRPr>
             </a:pPr>
             <a:r>
-              <a:t>② 대용량 마케팅: '대용량'(1,751건), '가성비'(1,924건) 주요 구매 동인</a:t>
+              <a:t>② 트러블 케어 브랜드: 역설적 트러블 발생 불만 → 성분 재검토 필요</a:t>
             </a:r>
           </a:p>
         </p:txBody>
@@ -8221,7 +11636,7 @@
               </a:defRPr>
             </a:pPr>
             <a:r>
-              <a:t>③ 사용법 교육: 닦토(31.7%), 레이어링(14.9%) 중심 콘텐츠 강화</a:t>
+              <a:t>③ 사용법 마케팅: 닦토(31.7%) + 레이어링(14.9%) 중심 콘텐츠 강화</a:t>
             </a:r>
           </a:p>
         </p:txBody>
@@ -8301,7 +11716,7 @@
               </a:defRPr>
             </a:pPr>
             <a:r>
-              <a:t>④ 공통 Pain Point: '건조/보습부족'(463건) 압도적 1위 - 보습 소구 강화 필수</a:t>
+              <a:t>④ 민감성 시장: 자극/따가움 불만 많음 → 패치 테스트 권장 안내</a:t>
             </a:r>
           </a:p>
         </p:txBody>
@@ -8381,7 +11796,7 @@
               </a:defRPr>
             </a:pPr>
             <a:r>
-              <a:t>⑤ 텍스처 차별화: '산뜻함/비끈적'(1,293건) 선호. 가벼운 제형 마케팅 강화</a:t>
+              <a:t>⑤ 시즌별 전략: 겨울철 건조 불만 증가 대비 → 고보습 라인 준비</a:t>
             </a:r>
           </a:p>
         </p:txBody>
@@ -8394,7 +11809,7 @@
 </p:sld>
 </file>
 
-<file path=ppt/slides/slide26.xml><?xml version="1.0" encoding="utf-8"?>
+<file path=ppt/slides/slide34.xml><?xml version="1.0" encoding="utf-8"?>
 <p:sld xmlns:a="http://schemas.openxmlformats.org/drawingml/2006/main" xmlns:p="http://schemas.openxmlformats.org/presentationml/2006/main" xmlns:r="http://schemas.openxmlformats.org/officeDocument/2006/relationships">
   <p:cSld>
     <p:spTree>
@@ -8490,7 +11905,7 @@
 </p:sld>
 </file>
 
-<file path=ppt/slides/slide27.xml><?xml version="1.0" encoding="utf-8"?>
+<file path=ppt/slides/slide35.xml><?xml version="1.0" encoding="utf-8"?>
 <p:sld xmlns:a="http://schemas.openxmlformats.org/drawingml/2006/main" xmlns:p="http://schemas.openxmlformats.org/presentationml/2006/main" xmlns:r="http://schemas.openxmlformats.org/officeDocument/2006/relationships">
   <p:cSld>
     <p:spTree>
@@ -9274,7 +12689,7 @@
 </p:sld>
 </file>
 
-<file path=ppt/slides/slide28.xml><?xml version="1.0" encoding="utf-8"?>
+<file path=ppt/slides/slide36.xml><?xml version="1.0" encoding="utf-8"?>
 <p:sld xmlns:a="http://schemas.openxmlformats.org/drawingml/2006/main" xmlns:p="http://schemas.openxmlformats.org/presentationml/2006/main" xmlns:r="http://schemas.openxmlformats.org/officeDocument/2006/relationships">
   <p:cSld>
     <p:spTree>
@@ -10050,242 +13465,6 @@
           </a:graphicData>
         </a:graphic>
       </p:graphicFrame>
-    </p:spTree>
-  </p:cSld>
-  <p:clrMapOvr>
-    <a:masterClrMapping/>
-  </p:clrMapOvr>
-</p:sld>
-</file>
-
-<file path=ppt/slides/slide3.xml><?xml version="1.0" encoding="utf-8"?>
-<p:sld xmlns:a="http://schemas.openxmlformats.org/drawingml/2006/main" xmlns:p="http://schemas.openxmlformats.org/presentationml/2006/main" xmlns:r="http://schemas.openxmlformats.org/officeDocument/2006/relationships">
-  <p:cSld>
-    <p:spTree>
-      <p:nvGrpSpPr>
-        <p:cNvPr id="1" name=""/>
-        <p:cNvGrpSpPr/>
-        <p:nvPr/>
-      </p:nvGrpSpPr>
-      <p:grpSpPr/>
-      <p:sp>
-        <p:nvSpPr>
-          <p:cNvPr id="2" name="Rectangle 1"/>
-          <p:cNvSpPr/>
-          <p:nvPr/>
-        </p:nvSpPr>
-        <p:spPr>
-          <a:xfrm>
-            <a:off x="0" y="0"/>
-            <a:ext cx="9144000" cy="914400"/>
-          </a:xfrm>
-          <a:prstGeom prst="rect">
-            <a:avLst/>
-          </a:prstGeom>
-          <a:solidFill>
-            <a:srgbClr val="1A365D"/>
-          </a:solidFill>
-          <a:ln>
-            <a:noFill/>
-          </a:ln>
-        </p:spPr>
-        <p:style>
-          <a:lnRef idx="1">
-            <a:schemeClr val="accent1"/>
-          </a:lnRef>
-          <a:fillRef idx="3">
-            <a:schemeClr val="accent1"/>
-          </a:fillRef>
-          <a:effectRef idx="2">
-            <a:schemeClr val="accent1"/>
-          </a:effectRef>
-          <a:fontRef idx="minor">
-            <a:schemeClr val="lt1"/>
-          </a:fontRef>
-        </p:style>
-        <p:txBody>
-          <a:bodyPr rtlCol="0" anchor="ctr"/>
-          <a:lstStyle/>
-          <a:p>
-            <a:pPr algn="ctr"/>
-          </a:p>
-        </p:txBody>
-      </p:sp>
-      <p:sp>
-        <p:nvSpPr>
-          <p:cNvPr id="3" name="TextBox 2"/>
-          <p:cNvSpPr txBox="1"/>
-          <p:nvPr/>
-        </p:nvSpPr>
-        <p:spPr>
-          <a:xfrm>
-            <a:off x="457200" y="228600"/>
-            <a:ext cx="8229600" cy="548640"/>
-          </a:xfrm>
-          <a:prstGeom prst="rect">
-            <a:avLst/>
-          </a:prstGeom>
-          <a:noFill/>
-        </p:spPr>
-        <p:txBody>
-          <a:bodyPr wrap="none">
-            <a:spAutoFit/>
-          </a:bodyPr>
-          <a:lstStyle/>
-          <a:p>
-            <a:pPr>
-              <a:defRPr sz="2800" b="1">
-                <a:solidFill>
-                  <a:srgbClr val="FFFFFF"/>
-                </a:solidFill>
-              </a:defRPr>
-            </a:pPr>
-            <a:r>
-              <a:t>분석 개요</a:t>
-            </a:r>
-          </a:p>
-        </p:txBody>
-      </p:sp>
-      <p:sp>
-        <p:nvSpPr>
-          <p:cNvPr id="4" name="TextBox 3"/>
-          <p:cNvSpPr txBox="1"/>
-          <p:nvPr/>
-        </p:nvSpPr>
-        <p:spPr>
-          <a:xfrm>
-            <a:off x="457200" y="1188720"/>
-            <a:ext cx="8229600" cy="5029200"/>
-          </a:xfrm>
-          <a:prstGeom prst="rect">
-            <a:avLst/>
-          </a:prstGeom>
-          <a:noFill/>
-        </p:spPr>
-        <p:txBody>
-          <a:bodyPr wrap="square">
-            <a:spAutoFit/>
-          </a:bodyPr>
-          <a:lstStyle/>
-          <a:p>
-            <a:pPr>
-              <a:spcAft>
-                <a:spcPts val="800"/>
-              </a:spcAft>
-              <a:defRPr sz="1600">
-                <a:solidFill>
-                  <a:srgbClr val="1A365D"/>
-                </a:solidFill>
-              </a:defRPr>
-            </a:pPr>
-            <a:r>
-              <a:t>▶ 분석 대상: 7개 토너 브랜드, 총 33,908건 리뷰</a:t>
-            </a:r>
-          </a:p>
-          <a:p>
-            <a:pPr>
-              <a:spcAft>
-                <a:spcPts val="800"/>
-              </a:spcAft>
-              <a:defRPr sz="1600">
-                <a:solidFill>
-                  <a:srgbClr val="1A365D"/>
-                </a:solidFill>
-              </a:defRPr>
-            </a:pPr>
-            <a:r>
-              <a:t>▶ 분석 기간: 2025.02 ~ 2026.01 (12개월)</a:t>
-            </a:r>
-          </a:p>
-          <a:p>
-            <a:pPr>
-              <a:spcAft>
-                <a:spcPts val="800"/>
-              </a:spcAft>
-              <a:defRPr sz="1600">
-                <a:solidFill>
-                  <a:srgbClr val="1A365D"/>
-                </a:solidFill>
-              </a:defRPr>
-            </a:pPr>
-            <a:r>
-              <a:t>▶ 플랫폼: 올리브영 27,745건 (82%) / 무신사 6,163건 (18%)</a:t>
-            </a:r>
-          </a:p>
-          <a:p>
-            <a:pPr>
-              <a:spcAft>
-                <a:spcPts val="800"/>
-              </a:spcAft>
-              <a:defRPr sz="1600">
-                <a:solidFill>
-                  <a:srgbClr val="1A365D"/>
-                </a:solidFill>
-              </a:defRPr>
-            </a:pPr>
-          </a:p>
-          <a:p>
-            <a:pPr>
-              <a:spcAft>
-                <a:spcPts val="800"/>
-              </a:spcAft>
-              <a:defRPr sz="1600" b="1">
-                <a:solidFill>
-                  <a:srgbClr val="4A90D9"/>
-                </a:solidFill>
-              </a:defRPr>
-            </a:pPr>
-            <a:r>
-              <a:t>▶ 전체 긍정률: 90.8% (부정률 2.0%)</a:t>
-            </a:r>
-          </a:p>
-          <a:p>
-            <a:pPr>
-              <a:spcAft>
-                <a:spcPts val="800"/>
-              </a:spcAft>
-              <a:defRPr sz="1600" b="1">
-                <a:solidFill>
-                  <a:srgbClr val="4A90D9"/>
-                </a:solidFill>
-              </a:defRPr>
-            </a:pPr>
-            <a:r>
-              <a:t>▶ 긍정률 1위: 토니모리 (93.5%)</a:t>
-            </a:r>
-          </a:p>
-          <a:p>
-            <a:pPr>
-              <a:spcAft>
-                <a:spcPts val="800"/>
-              </a:spcAft>
-              <a:defRPr sz="1600" b="1">
-                <a:solidFill>
-                  <a:srgbClr val="4A90D9"/>
-                </a:solidFill>
-              </a:defRPr>
-            </a:pPr>
-            <a:r>
-              <a:t>▶ 가장 많은 Pain Point: 건조/보습부족 (463건)</a:t>
-            </a:r>
-          </a:p>
-          <a:p>
-            <a:pPr>
-              <a:spcAft>
-                <a:spcPts val="800"/>
-              </a:spcAft>
-              <a:defRPr sz="1600" b="1">
-                <a:solidFill>
-                  <a:srgbClr val="4A90D9"/>
-                </a:solidFill>
-              </a:defRPr>
-            </a:pPr>
-            <a:r>
-              <a:t>▶ 가장 많은 Positive Point: 순함/저자극 (5,495건)</a:t>
-            </a:r>
-          </a:p>
-        </p:txBody>
-      </p:sp>
     </p:spTree>
   </p:cSld>
   <p:clrMapOvr>
